--- a/weekly_report/group5/report_group5_week12.pptx
+++ b/weekly_report/group5/report_group5_week12.pptx
@@ -10,16 +10,17 @@
     <p:sldId id="267" r:id="rId4"/>
     <p:sldId id="268" r:id="rId5"/>
     <p:sldId id="269" r:id="rId6"/>
-    <p:sldId id="256" r:id="rId7"/>
-    <p:sldId id="257" r:id="rId8"/>
-    <p:sldId id="259" r:id="rId9"/>
-    <p:sldId id="263" r:id="rId10"/>
-    <p:sldId id="271" r:id="rId11"/>
-    <p:sldId id="264" r:id="rId12"/>
-    <p:sldId id="262" r:id="rId13"/>
-    <p:sldId id="261" r:id="rId14"/>
-    <p:sldId id="260" r:id="rId15"/>
-    <p:sldId id="258" r:id="rId16"/>
+    <p:sldId id="273" r:id="rId7"/>
+    <p:sldId id="256" r:id="rId8"/>
+    <p:sldId id="257" r:id="rId9"/>
+    <p:sldId id="259" r:id="rId10"/>
+    <p:sldId id="263" r:id="rId11"/>
+    <p:sldId id="271" r:id="rId12"/>
+    <p:sldId id="264" r:id="rId13"/>
+    <p:sldId id="262" r:id="rId14"/>
+    <p:sldId id="261" r:id="rId15"/>
+    <p:sldId id="260" r:id="rId16"/>
+    <p:sldId id="258" r:id="rId17"/>
   </p:sldIdLst>
   <p:sldSz cx="12192000" cy="6858000"/>
   <p:notesSz cx="6858000" cy="9144000"/>
@@ -3778,13 +3779,222 @@
           <a:p>
             <a:r>
               <a:rPr lang="zh-CN" altLang="en-US" sz="3600" dirty="0"/>
-              <a:t>章节例子 </a:t>
+              <a:t>章节结构 </a:t>
             </a:r>
             <a:r>
               <a:rPr lang="en-CA" altLang="zh-CN" sz="3600" dirty="0"/>
-              <a:t>Chapter Example</a:t>
+              <a:t>Chapter Structure</a:t>
             </a:r>
             <a:endParaRPr lang="en-CA" sz="3600" dirty="0"/>
+          </a:p>
+        </p:txBody>
+      </p:sp>
+      <p:sp>
+        <p:nvSpPr>
+          <p:cNvPr id="3" name="Content Placeholder 2">
+            <a:extLst>
+              <a:ext uri="{FF2B5EF4-FFF2-40B4-BE49-F238E27FC236}">
+                <a16:creationId xmlns:a16="http://schemas.microsoft.com/office/drawing/2014/main" id="{B6D5B12F-07A0-491E-B162-63C698346E24}"/>
+              </a:ext>
+            </a:extLst>
+          </p:cNvPr>
+          <p:cNvSpPr>
+            <a:spLocks noGrp="1"/>
+          </p:cNvSpPr>
+          <p:nvPr>
+            <p:ph idx="1"/>
+          </p:nvPr>
+        </p:nvSpPr>
+        <p:spPr/>
+        <p:txBody>
+          <a:bodyPr>
+            <a:noAutofit/>
+          </a:bodyPr>
+          <a:lstStyle/>
+          <a:p>
+            <a:pPr>
+              <a:lnSpc>
+                <a:spcPct val="100000"/>
+              </a:lnSpc>
+            </a:pPr>
+            <a:r>
+              <a:rPr lang="zh-CN" altLang="en-US" sz="1600" dirty="0"/>
+              <a:t>介绍 </a:t>
+            </a:r>
+            <a:r>
+              <a:rPr lang="en-CA" altLang="zh-CN" sz="1600" dirty="0"/>
+              <a:t>Introduction</a:t>
+            </a:r>
+          </a:p>
+          <a:p>
+            <a:pPr lvl="1">
+              <a:lnSpc>
+                <a:spcPct val="100000"/>
+              </a:lnSpc>
+            </a:pPr>
+            <a:r>
+              <a:rPr lang="zh-CN" altLang="en-US" sz="1600" u="sng" dirty="0"/>
+              <a:t>特别需要留意的事项  </a:t>
+            </a:r>
+            <a:r>
+              <a:rPr lang="en-CA" altLang="zh-CN" sz="1600" u="sng" dirty="0"/>
+              <a:t>Items worth paying special attention to</a:t>
+            </a:r>
+          </a:p>
+          <a:p>
+            <a:pPr>
+              <a:lnSpc>
+                <a:spcPct val="100000"/>
+              </a:lnSpc>
+            </a:pPr>
+            <a:r>
+              <a:rPr lang="zh-CN" altLang="en-US" sz="1600" dirty="0"/>
+              <a:t>背景 </a:t>
+            </a:r>
+            <a:r>
+              <a:rPr lang="en-CA" altLang="zh-CN" sz="1600" dirty="0"/>
+              <a:t>Background      (X.1)</a:t>
+            </a:r>
+          </a:p>
+          <a:p>
+            <a:pPr lvl="1">
+              <a:lnSpc>
+                <a:spcPct val="100000"/>
+              </a:lnSpc>
+            </a:pPr>
+            <a:r>
+              <a:rPr lang="zh-CN" altLang="en-US" sz="1600" u="sng" dirty="0"/>
+              <a:t>逻辑模型  </a:t>
+            </a:r>
+            <a:r>
+              <a:rPr lang="en-CA" altLang="zh-CN" sz="1600" u="sng" dirty="0"/>
+              <a:t>Logic Model</a:t>
+            </a:r>
+          </a:p>
+          <a:p>
+            <a:pPr>
+              <a:lnSpc>
+                <a:spcPct val="100000"/>
+              </a:lnSpc>
+            </a:pPr>
+            <a:r>
+              <a:rPr lang="zh-CN" altLang="en-US" sz="1600" dirty="0"/>
+              <a:t>内容 </a:t>
+            </a:r>
+            <a:r>
+              <a:rPr lang="en-CA" altLang="zh-CN" sz="1600" dirty="0"/>
+              <a:t>Content      (X. 2,3,4…)</a:t>
+            </a:r>
+          </a:p>
+          <a:p>
+            <a:pPr lvl="1">
+              <a:lnSpc>
+                <a:spcPct val="100000"/>
+              </a:lnSpc>
+            </a:pPr>
+            <a:r>
+              <a:rPr lang="zh-CN" altLang="en-US" sz="1600" dirty="0"/>
+              <a:t>尽量依照原有的内容结构 </a:t>
+            </a:r>
+            <a:r>
+              <a:rPr lang="en-CA" altLang="zh-CN" sz="1600" dirty="0"/>
+              <a:t>Try to follow the original content </a:t>
+            </a:r>
+            <a:r>
+              <a:rPr lang="en-US" altLang="zh-CN" sz="1600" dirty="0"/>
+              <a:t>structure</a:t>
+            </a:r>
+          </a:p>
+          <a:p>
+            <a:pPr lvl="1">
+              <a:lnSpc>
+                <a:spcPct val="100000"/>
+              </a:lnSpc>
+            </a:pPr>
+            <a:r>
+              <a:rPr lang="zh-CN" altLang="en-US" sz="1600" u="sng" dirty="0"/>
+              <a:t>加入个人的学习体会  </a:t>
+            </a:r>
+            <a:r>
+              <a:rPr lang="en-CA" altLang="zh-CN" sz="1600" u="sng" dirty="0"/>
+              <a:t>Include your own learning experience</a:t>
+            </a:r>
+            <a:endParaRPr lang="en-US" altLang="zh-CN" sz="1600" u="sng" dirty="0"/>
+          </a:p>
+          <a:p>
+            <a:pPr>
+              <a:lnSpc>
+                <a:spcPct val="100000"/>
+              </a:lnSpc>
+            </a:pPr>
+            <a:r>
+              <a:rPr lang="zh-CN" altLang="en-US" sz="1600" dirty="0"/>
+              <a:t>作业 </a:t>
+            </a:r>
+            <a:r>
+              <a:rPr lang="en-CA" altLang="zh-CN" sz="1600" dirty="0"/>
+              <a:t>Project</a:t>
+            </a:r>
+          </a:p>
+          <a:p>
+            <a:pPr lvl="1">
+              <a:lnSpc>
+                <a:spcPct val="100000"/>
+              </a:lnSpc>
+            </a:pPr>
+            <a:r>
+              <a:rPr lang="zh-CN" altLang="en-US" sz="1600" u="sng" dirty="0"/>
+              <a:t>讲解题目的关键点  </a:t>
+            </a:r>
+            <a:r>
+              <a:rPr lang="en-CA" altLang="zh-CN" sz="1600" u="sng" dirty="0"/>
+              <a:t>Elaborate on key ideas for the project</a:t>
+            </a:r>
+          </a:p>
+          <a:p>
+            <a:pPr>
+              <a:lnSpc>
+                <a:spcPct val="100000"/>
+              </a:lnSpc>
+            </a:pPr>
+            <a:r>
+              <a:rPr lang="zh-CN" altLang="en-US" sz="1600" dirty="0"/>
+              <a:t>关键词 </a:t>
+            </a:r>
+            <a:r>
+              <a:rPr lang="en-CA" altLang="zh-CN" sz="1600" dirty="0"/>
+              <a:t>Keywords</a:t>
+            </a:r>
+          </a:p>
+          <a:p>
+            <a:pPr lvl="1">
+              <a:lnSpc>
+                <a:spcPct val="100000"/>
+              </a:lnSpc>
+            </a:pPr>
+            <a:r>
+              <a:rPr lang="zh-CN" altLang="en-US" sz="1600" dirty="0"/>
+              <a:t>至少要包括该章节的关键词（加粗）  </a:t>
+            </a:r>
+            <a:r>
+              <a:rPr lang="en-CA" altLang="zh-CN" sz="1600" dirty="0"/>
+              <a:t>At least include all keywords in the chapter (bolded)</a:t>
+            </a:r>
+          </a:p>
+          <a:p>
+            <a:pPr>
+              <a:lnSpc>
+                <a:spcPct val="100000"/>
+              </a:lnSpc>
+            </a:pPr>
+            <a:r>
+              <a:rPr lang="zh-CN" altLang="en-US" sz="1600" dirty="0"/>
+              <a:t>额外阅读材料 </a:t>
+            </a:r>
+            <a:r>
+              <a:rPr lang="en-CA" altLang="zh-CN" sz="1600" dirty="0"/>
+              <a:t>Additional reading material</a:t>
+            </a:r>
           </a:p>
         </p:txBody>
       </p:sp>
@@ -3866,224 +4076,12 @@
           </a:p>
         </p:txBody>
       </p:sp>
-      <p:pic>
-        <p:nvPicPr>
-          <p:cNvPr id="7" name="Content Placeholder 6" descr="Screen Clipping">
-            <a:extLst>
-              <a:ext uri="{FF2B5EF4-FFF2-40B4-BE49-F238E27FC236}">
-                <a16:creationId xmlns:a16="http://schemas.microsoft.com/office/drawing/2014/main" id="{F692D7AA-CE6B-414F-AEDE-49932FC25C58}"/>
-              </a:ext>
-            </a:extLst>
-          </p:cNvPr>
-          <p:cNvPicPr>
-            <a:picLocks noGrp="1" noChangeAspect="1"/>
-          </p:cNvPicPr>
-          <p:nvPr>
-            <p:ph idx="1"/>
-          </p:nvPr>
-        </p:nvPicPr>
-        <p:blipFill>
-          <a:blip r:embed="rId4">
-            <a:extLst>
-              <a:ext uri="{28A0092B-C50C-407E-A947-70E740481C1C}">
-                <a14:useLocalDpi xmlns:a14="http://schemas.microsoft.com/office/drawing/2010/main" val="0"/>
-              </a:ext>
-            </a:extLst>
-          </a:blip>
-          <a:stretch>
-            <a:fillRect/>
-          </a:stretch>
-        </p:blipFill>
-        <p:spPr>
-          <a:xfrm>
-            <a:off x="838200" y="1346231"/>
-            <a:ext cx="3394999" cy="4351338"/>
-          </a:xfrm>
-        </p:spPr>
-      </p:pic>
       <p:sp>
         <p:nvSpPr>
           <p:cNvPr id="8" name="TextBox 7">
             <a:extLst>
               <a:ext uri="{FF2B5EF4-FFF2-40B4-BE49-F238E27FC236}">
-                <a16:creationId xmlns:a16="http://schemas.microsoft.com/office/drawing/2014/main" id="{BFC2EBEB-183D-435A-81A3-2B7AF9CCB693}"/>
-              </a:ext>
-            </a:extLst>
-          </p:cNvPr>
-          <p:cNvSpPr txBox="1"/>
-          <p:nvPr/>
-        </p:nvSpPr>
-        <p:spPr>
-          <a:xfrm>
-            <a:off x="4844249" y="1650714"/>
-            <a:ext cx="3852909" cy="3742371"/>
-          </a:xfrm>
-          <a:prstGeom prst="rect">
-            <a:avLst/>
-          </a:prstGeom>
-          <a:noFill/>
-        </p:spPr>
-        <p:txBody>
-          <a:bodyPr wrap="square" rtlCol="0">
-            <a:spAutoFit/>
-          </a:bodyPr>
-          <a:lstStyle/>
-          <a:p>
-            <a:pPr marL="285750" indent="-285750">
-              <a:lnSpc>
-                <a:spcPct val="150000"/>
-              </a:lnSpc>
-              <a:buFont typeface="Arial" panose="020B0604020202020204" pitchFamily="34" charset="0"/>
-              <a:buChar char="•"/>
-            </a:pPr>
-            <a:r>
-              <a:rPr lang="zh-CN" altLang="en-US" sz="1600" dirty="0"/>
-              <a:t>依照原章节结构作为主体</a:t>
-            </a:r>
-            <a:r>
-              <a:rPr lang="en-CA" sz="1600" dirty="0"/>
-              <a:t>Nand</a:t>
-            </a:r>
-            <a:r>
-              <a:rPr lang="en-CA" altLang="zh-CN" sz="1600" dirty="0"/>
-              <a:t>2Tetris chapter structure</a:t>
-            </a:r>
-          </a:p>
-          <a:p>
-            <a:pPr marL="285750" indent="-285750">
-              <a:lnSpc>
-                <a:spcPct val="150000"/>
-              </a:lnSpc>
-              <a:buFont typeface="Arial" panose="020B0604020202020204" pitchFamily="34" charset="0"/>
-              <a:buChar char="•"/>
-            </a:pPr>
-            <a:r>
-              <a:rPr lang="zh-CN" altLang="en-US" sz="1600" dirty="0"/>
-              <a:t>原章节共有</a:t>
-            </a:r>
-            <a:r>
-              <a:rPr lang="en-CA" altLang="zh-CN" sz="1600" dirty="0"/>
-              <a:t>3</a:t>
-            </a:r>
-            <a:r>
-              <a:rPr lang="zh-CN" altLang="en-US" sz="1600" dirty="0"/>
-              <a:t>层结构</a:t>
-            </a:r>
-            <a:endParaRPr lang="en-CA" altLang="zh-CN" sz="1600" dirty="0"/>
-          </a:p>
-          <a:p>
-            <a:pPr>
-              <a:lnSpc>
-                <a:spcPct val="150000"/>
-              </a:lnSpc>
-            </a:pPr>
-            <a:r>
-              <a:rPr lang="en-CA" sz="1600" dirty="0"/>
-              <a:t>     3 Levels</a:t>
-            </a:r>
-          </a:p>
-          <a:p>
-            <a:pPr marL="285750" indent="-285750">
-              <a:lnSpc>
-                <a:spcPct val="150000"/>
-              </a:lnSpc>
-              <a:buFont typeface="Arial" panose="020B0604020202020204" pitchFamily="34" charset="0"/>
-              <a:buChar char="•"/>
-            </a:pPr>
-            <a:r>
-              <a:rPr lang="zh-CN" altLang="en-US" sz="1600" dirty="0"/>
-              <a:t>额外内容</a:t>
-            </a:r>
-            <a:endParaRPr lang="en-CA" altLang="zh-CN" sz="1600" dirty="0"/>
-          </a:p>
-          <a:p>
-            <a:pPr>
-              <a:lnSpc>
-                <a:spcPct val="150000"/>
-              </a:lnSpc>
-            </a:pPr>
-            <a:r>
-              <a:rPr lang="en-CA" sz="1600" dirty="0"/>
-              <a:t>     Additional Content</a:t>
-            </a:r>
-          </a:p>
-          <a:p>
-            <a:pPr marL="742950" lvl="1" indent="-285750">
-              <a:lnSpc>
-                <a:spcPct val="150000"/>
-              </a:lnSpc>
-              <a:buFont typeface="Arial" panose="020B0604020202020204" pitchFamily="34" charset="0"/>
-              <a:buChar char="•"/>
-            </a:pPr>
-            <a:r>
-              <a:rPr lang="zh-CN" altLang="en-US" sz="1600" dirty="0"/>
-              <a:t>介绍 </a:t>
-            </a:r>
-            <a:r>
-              <a:rPr lang="en-CA" altLang="zh-CN" sz="1600" dirty="0"/>
-              <a:t>Intro</a:t>
-            </a:r>
-          </a:p>
-          <a:p>
-            <a:pPr marL="742950" lvl="1" indent="-285750">
-              <a:lnSpc>
-                <a:spcPct val="150000"/>
-              </a:lnSpc>
-              <a:buFont typeface="Arial" panose="020B0604020202020204" pitchFamily="34" charset="0"/>
-              <a:buChar char="•"/>
-            </a:pPr>
-            <a:r>
-              <a:rPr lang="zh-CN" altLang="en-US" sz="1600" dirty="0"/>
-              <a:t>关键词 </a:t>
-            </a:r>
-            <a:r>
-              <a:rPr lang="en-CA" altLang="zh-CN" sz="1600" dirty="0"/>
-              <a:t>Glossary</a:t>
-            </a:r>
-          </a:p>
-          <a:p>
-            <a:pPr marL="742950" lvl="1" indent="-285750">
-              <a:lnSpc>
-                <a:spcPct val="150000"/>
-              </a:lnSpc>
-              <a:buFont typeface="Arial" panose="020B0604020202020204" pitchFamily="34" charset="0"/>
-              <a:buChar char="•"/>
-            </a:pPr>
-            <a:r>
-              <a:rPr lang="zh-CN" altLang="en-US" sz="1600" dirty="0"/>
-              <a:t>参考文献</a:t>
-            </a:r>
-            <a:r>
-              <a:rPr lang="en-CA" altLang="zh-CN" sz="1600" dirty="0"/>
-              <a:t> References</a:t>
-            </a:r>
-          </a:p>
-          <a:p>
-            <a:pPr marL="742950" lvl="1" indent="-285750">
-              <a:lnSpc>
-                <a:spcPct val="150000"/>
-              </a:lnSpc>
-              <a:buFont typeface="Arial" panose="020B0604020202020204" pitchFamily="34" charset="0"/>
-              <a:buChar char="•"/>
-            </a:pPr>
-            <a:r>
-              <a:rPr lang="zh-CN" altLang="en-US" sz="1600" dirty="0"/>
-              <a:t>额外阅读 </a:t>
-            </a:r>
-            <a:r>
-              <a:rPr lang="en-CA" altLang="zh-CN" sz="1600" dirty="0"/>
-              <a:t>Additional Readings</a:t>
-            </a:r>
-            <a:endParaRPr lang="en-CA" sz="1600" dirty="0"/>
-          </a:p>
-        </p:txBody>
-      </p:sp>
-      <p:sp>
-        <p:nvSpPr>
-          <p:cNvPr id="15" name="TextBox 14">
-            <a:extLst>
-              <a:ext uri="{FF2B5EF4-FFF2-40B4-BE49-F238E27FC236}">
-                <a16:creationId xmlns:a16="http://schemas.microsoft.com/office/drawing/2014/main" id="{977CE8E3-31DE-441E-9404-34BF631252C0}"/>
+                <a16:creationId xmlns:a16="http://schemas.microsoft.com/office/drawing/2014/main" id="{E2D1CD2F-0CE1-4993-98E6-1CB6CE4959B2}"/>
               </a:ext>
             </a:extLst>
           </p:cNvPr>
@@ -4134,7 +4132,7 @@
     </p:spTree>
     <p:extLst>
       <p:ext uri="{BB962C8B-B14F-4D97-AF65-F5344CB8AC3E}">
-        <p14:creationId xmlns:p14="http://schemas.microsoft.com/office/powerpoint/2010/main" val="3764425075"/>
+        <p14:creationId xmlns:p14="http://schemas.microsoft.com/office/powerpoint/2010/main" val="3402831900"/>
       </p:ext>
     </p:extLst>
   </p:cSld>
@@ -4215,236 +4213,20 @@
         </p:nvSpPr>
         <p:spPr/>
         <p:txBody>
-          <a:bodyPr/>
-          <a:lstStyle/>
-          <a:p>
-            <a:r>
-              <a:rPr lang="zh-CN" altLang="en-US" dirty="0"/>
-              <a:t>写作标准 </a:t>
-            </a:r>
-            <a:r>
-              <a:rPr lang="en-CA" altLang="zh-CN" dirty="0"/>
-              <a:t>Structure</a:t>
-            </a:r>
-            <a:endParaRPr lang="en-CA" dirty="0"/>
-          </a:p>
-        </p:txBody>
-      </p:sp>
-      <p:sp>
-        <p:nvSpPr>
-          <p:cNvPr id="3" name="Content Placeholder 2">
-            <a:extLst>
-              <a:ext uri="{FF2B5EF4-FFF2-40B4-BE49-F238E27FC236}">
-                <a16:creationId xmlns:a16="http://schemas.microsoft.com/office/drawing/2014/main" id="{B6D5B12F-07A0-491E-B162-63C698346E24}"/>
-              </a:ext>
-            </a:extLst>
-          </p:cNvPr>
-          <p:cNvSpPr>
-            <a:spLocks noGrp="1"/>
-          </p:cNvSpPr>
-          <p:nvPr>
-            <p:ph idx="1"/>
-          </p:nvPr>
-        </p:nvSpPr>
-        <p:spPr>
-          <a:xfrm>
-            <a:off x="838200" y="1825625"/>
-            <a:ext cx="9903781" cy="4351338"/>
-          </a:xfrm>
-        </p:spPr>
-        <p:txBody>
           <a:bodyPr>
-            <a:normAutofit fontScale="55000" lnSpcReduction="20000"/>
+            <a:normAutofit/>
           </a:bodyPr>
           <a:lstStyle/>
           <a:p>
-            <a:pPr>
-              <a:lnSpc>
-                <a:spcPct val="140000"/>
-              </a:lnSpc>
-            </a:pPr>
-            <a:r>
-              <a:rPr lang="zh-CN" altLang="en-US" dirty="0"/>
-              <a:t>谨记以下原则</a:t>
-            </a:r>
-            <a:r>
-              <a:rPr lang="en-CA" altLang="zh-CN" dirty="0"/>
-              <a:t> Keep the following principles in mind:</a:t>
-            </a:r>
-          </a:p>
-          <a:p>
-            <a:pPr lvl="1">
-              <a:lnSpc>
-                <a:spcPct val="140000"/>
-              </a:lnSpc>
-            </a:pPr>
-            <a:r>
-              <a:rPr lang="en-CA" altLang="zh-CN" dirty="0"/>
-              <a:t>Focus, Staging, Abstraction, Modularity</a:t>
-            </a:r>
-          </a:p>
-          <a:p>
-            <a:pPr>
-              <a:lnSpc>
-                <a:spcPct val="140000"/>
-              </a:lnSpc>
-            </a:pPr>
-            <a:r>
-              <a:rPr lang="zh-CN" altLang="en-US" b="1" dirty="0"/>
-              <a:t>不学计算机的室友是否听得懂</a:t>
-            </a:r>
-            <a:r>
-              <a:rPr lang="en-CA" altLang="zh-CN" b="1" dirty="0"/>
-              <a:t>?   C</a:t>
-            </a:r>
-            <a:r>
-              <a:rPr lang="en-US" altLang="zh-CN" b="1" dirty="0"/>
-              <a:t>an your roommate, who isn’t taking any computer courses understand what you are trying to say</a:t>
-            </a:r>
-            <a:r>
-              <a:rPr lang="en-US" altLang="zh-CN" dirty="0"/>
-              <a:t>?</a:t>
-            </a:r>
-            <a:endParaRPr lang="en-CA" altLang="zh-CN" dirty="0"/>
-          </a:p>
-          <a:p>
-            <a:pPr>
-              <a:lnSpc>
-                <a:spcPct val="140000"/>
-              </a:lnSpc>
-            </a:pPr>
-            <a:r>
-              <a:rPr lang="zh-CN" altLang="en-US" dirty="0"/>
-              <a:t>知识结构 </a:t>
-            </a:r>
-            <a:r>
-              <a:rPr lang="en-CA" altLang="zh-CN" dirty="0"/>
-              <a:t>Knowledge </a:t>
-            </a:r>
-            <a:r>
-              <a:rPr lang="en-CA" altLang="zh-CN" dirty="0" err="1"/>
-              <a:t>strcutre</a:t>
-            </a:r>
-            <a:r>
-              <a:rPr lang="zh-CN" altLang="en-US" dirty="0"/>
-              <a:t>：</a:t>
-            </a:r>
-            <a:endParaRPr lang="en-CA" altLang="zh-CN" dirty="0"/>
-          </a:p>
-          <a:p>
-            <a:pPr lvl="1">
-              <a:lnSpc>
-                <a:spcPct val="140000"/>
-              </a:lnSpc>
-            </a:pPr>
-            <a:r>
-              <a:rPr lang="zh-CN" altLang="en-US" dirty="0"/>
-              <a:t>宏观</a:t>
-            </a:r>
-            <a:r>
-              <a:rPr lang="en-CA" altLang="zh-CN" dirty="0"/>
-              <a:t> Macro</a:t>
-            </a:r>
-          </a:p>
-          <a:p>
-            <a:pPr lvl="1">
-              <a:lnSpc>
-                <a:spcPct val="140000"/>
-              </a:lnSpc>
-            </a:pPr>
-            <a:r>
-              <a:rPr lang="zh-CN" altLang="en-US" dirty="0"/>
-              <a:t>中观 </a:t>
-            </a:r>
-            <a:r>
-              <a:rPr lang="en-CA" altLang="zh-CN" dirty="0" err="1"/>
-              <a:t>Meso</a:t>
-            </a:r>
-            <a:endParaRPr lang="en-CA" altLang="zh-CN" dirty="0"/>
-          </a:p>
-          <a:p>
-            <a:pPr lvl="1">
-              <a:lnSpc>
-                <a:spcPct val="140000"/>
-              </a:lnSpc>
-            </a:pPr>
-            <a:r>
-              <a:rPr lang="zh-CN" altLang="en-US" dirty="0"/>
-              <a:t>微观 </a:t>
-            </a:r>
-            <a:r>
-              <a:rPr lang="en-CA" altLang="zh-CN" dirty="0"/>
-              <a:t>Micro</a:t>
-            </a:r>
-          </a:p>
-          <a:p>
-            <a:pPr>
-              <a:lnSpc>
-                <a:spcPct val="140000"/>
-              </a:lnSpc>
-            </a:pPr>
-            <a:r>
-              <a:rPr lang="zh-CN" altLang="en-US" dirty="0"/>
-              <a:t>在课本已有内容之外，对知识背景的阐述  </a:t>
-            </a:r>
-            <a:r>
-              <a:rPr lang="en-CA" altLang="zh-CN" dirty="0"/>
-              <a:t>Explanations on knowledge background in addition to original text</a:t>
-            </a:r>
-          </a:p>
-          <a:p>
-            <a:pPr lvl="1">
-              <a:lnSpc>
-                <a:spcPct val="140000"/>
-              </a:lnSpc>
-            </a:pPr>
-            <a:r>
-              <a:rPr lang="zh-CN" altLang="en-US" dirty="0"/>
-              <a:t>底层 </a:t>
-            </a:r>
-            <a:r>
-              <a:rPr lang="en-CA" altLang="zh-CN" dirty="0"/>
-              <a:t> Fundamental knowledge</a:t>
-            </a:r>
-          </a:p>
-          <a:p>
-            <a:pPr lvl="1">
-              <a:lnSpc>
-                <a:spcPct val="140000"/>
-              </a:lnSpc>
-            </a:pPr>
-            <a:r>
-              <a:rPr lang="zh-CN" altLang="en-US" dirty="0"/>
-              <a:t>当前 </a:t>
-            </a:r>
-            <a:r>
-              <a:rPr lang="en-CA" altLang="zh-CN" dirty="0"/>
-              <a:t> Currently relevant</a:t>
-            </a:r>
-          </a:p>
-          <a:p>
-            <a:pPr lvl="1">
-              <a:lnSpc>
-                <a:spcPct val="140000"/>
-              </a:lnSpc>
-            </a:pPr>
-            <a:r>
-              <a:rPr lang="zh-CN" altLang="en-US" dirty="0"/>
-              <a:t>上层</a:t>
-            </a:r>
-            <a:r>
-              <a:rPr lang="en-CA" altLang="zh-CN" dirty="0"/>
-              <a:t>/</a:t>
-            </a:r>
-            <a:r>
-              <a:rPr lang="zh-CN" altLang="en-US" dirty="0"/>
-              <a:t>引申 </a:t>
-            </a:r>
-            <a:r>
-              <a:rPr lang="en-CA" altLang="zh-CN" dirty="0"/>
-              <a:t>Extending beyond this level, other relevant ideas</a:t>
-            </a:r>
-            <a:endParaRPr lang="en-CA" dirty="0"/>
+            <a:r>
+              <a:rPr lang="zh-CN" altLang="en-US" sz="3600" dirty="0"/>
+              <a:t>章节例子 </a:t>
+            </a:r>
+            <a:r>
+              <a:rPr lang="en-CA" altLang="zh-CN" sz="3600" dirty="0"/>
+              <a:t>Chapter Example</a:t>
+            </a:r>
+            <a:endParaRPr lang="en-CA" sz="3600" dirty="0"/>
           </a:p>
         </p:txBody>
       </p:sp>
@@ -4526,12 +4308,224 @@
           </a:p>
         </p:txBody>
       </p:sp>
+      <p:pic>
+        <p:nvPicPr>
+          <p:cNvPr id="7" name="Content Placeholder 6" descr="Screen Clipping">
+            <a:extLst>
+              <a:ext uri="{FF2B5EF4-FFF2-40B4-BE49-F238E27FC236}">
+                <a16:creationId xmlns:a16="http://schemas.microsoft.com/office/drawing/2014/main" id="{F692D7AA-CE6B-414F-AEDE-49932FC25C58}"/>
+              </a:ext>
+            </a:extLst>
+          </p:cNvPr>
+          <p:cNvPicPr>
+            <a:picLocks noGrp="1" noChangeAspect="1"/>
+          </p:cNvPicPr>
+          <p:nvPr>
+            <p:ph idx="1"/>
+          </p:nvPr>
+        </p:nvPicPr>
+        <p:blipFill>
+          <a:blip r:embed="rId4">
+            <a:extLst>
+              <a:ext uri="{28A0092B-C50C-407E-A947-70E740481C1C}">
+                <a14:useLocalDpi xmlns:a14="http://schemas.microsoft.com/office/drawing/2010/main" val="0"/>
+              </a:ext>
+            </a:extLst>
+          </a:blip>
+          <a:stretch>
+            <a:fillRect/>
+          </a:stretch>
+        </p:blipFill>
+        <p:spPr>
+          <a:xfrm>
+            <a:off x="838200" y="1346231"/>
+            <a:ext cx="3394999" cy="4351338"/>
+          </a:xfrm>
+        </p:spPr>
+      </p:pic>
       <p:sp>
         <p:nvSpPr>
           <p:cNvPr id="8" name="TextBox 7">
             <a:extLst>
               <a:ext uri="{FF2B5EF4-FFF2-40B4-BE49-F238E27FC236}">
-                <a16:creationId xmlns:a16="http://schemas.microsoft.com/office/drawing/2014/main" id="{DBB6D908-DB95-4CB0-8AB8-C50E80D6CC54}"/>
+                <a16:creationId xmlns:a16="http://schemas.microsoft.com/office/drawing/2014/main" id="{BFC2EBEB-183D-435A-81A3-2B7AF9CCB693}"/>
+              </a:ext>
+            </a:extLst>
+          </p:cNvPr>
+          <p:cNvSpPr txBox="1"/>
+          <p:nvPr/>
+        </p:nvSpPr>
+        <p:spPr>
+          <a:xfrm>
+            <a:off x="4844249" y="1650714"/>
+            <a:ext cx="3852909" cy="3742371"/>
+          </a:xfrm>
+          <a:prstGeom prst="rect">
+            <a:avLst/>
+          </a:prstGeom>
+          <a:noFill/>
+        </p:spPr>
+        <p:txBody>
+          <a:bodyPr wrap="square" rtlCol="0">
+            <a:spAutoFit/>
+          </a:bodyPr>
+          <a:lstStyle/>
+          <a:p>
+            <a:pPr marL="285750" indent="-285750">
+              <a:lnSpc>
+                <a:spcPct val="150000"/>
+              </a:lnSpc>
+              <a:buFont typeface="Arial" panose="020B0604020202020204" pitchFamily="34" charset="0"/>
+              <a:buChar char="•"/>
+            </a:pPr>
+            <a:r>
+              <a:rPr lang="zh-CN" altLang="en-US" sz="1600" dirty="0"/>
+              <a:t>依照原章节结构作为主体</a:t>
+            </a:r>
+            <a:r>
+              <a:rPr lang="en-CA" sz="1600" dirty="0"/>
+              <a:t>Nand</a:t>
+            </a:r>
+            <a:r>
+              <a:rPr lang="en-CA" altLang="zh-CN" sz="1600" dirty="0"/>
+              <a:t>2Tetris chapter structure</a:t>
+            </a:r>
+          </a:p>
+          <a:p>
+            <a:pPr marL="285750" indent="-285750">
+              <a:lnSpc>
+                <a:spcPct val="150000"/>
+              </a:lnSpc>
+              <a:buFont typeface="Arial" panose="020B0604020202020204" pitchFamily="34" charset="0"/>
+              <a:buChar char="•"/>
+            </a:pPr>
+            <a:r>
+              <a:rPr lang="zh-CN" altLang="en-US" sz="1600" dirty="0"/>
+              <a:t>原章节共有</a:t>
+            </a:r>
+            <a:r>
+              <a:rPr lang="en-CA" altLang="zh-CN" sz="1600" dirty="0"/>
+              <a:t>3</a:t>
+            </a:r>
+            <a:r>
+              <a:rPr lang="zh-CN" altLang="en-US" sz="1600" dirty="0"/>
+              <a:t>层结构</a:t>
+            </a:r>
+            <a:endParaRPr lang="en-CA" altLang="zh-CN" sz="1600" dirty="0"/>
+          </a:p>
+          <a:p>
+            <a:pPr>
+              <a:lnSpc>
+                <a:spcPct val="150000"/>
+              </a:lnSpc>
+            </a:pPr>
+            <a:r>
+              <a:rPr lang="en-CA" sz="1600" dirty="0"/>
+              <a:t>     3 Levels</a:t>
+            </a:r>
+          </a:p>
+          <a:p>
+            <a:pPr marL="285750" indent="-285750">
+              <a:lnSpc>
+                <a:spcPct val="150000"/>
+              </a:lnSpc>
+              <a:buFont typeface="Arial" panose="020B0604020202020204" pitchFamily="34" charset="0"/>
+              <a:buChar char="•"/>
+            </a:pPr>
+            <a:r>
+              <a:rPr lang="zh-CN" altLang="en-US" sz="1600" dirty="0"/>
+              <a:t>额外内容</a:t>
+            </a:r>
+            <a:endParaRPr lang="en-CA" altLang="zh-CN" sz="1600" dirty="0"/>
+          </a:p>
+          <a:p>
+            <a:pPr>
+              <a:lnSpc>
+                <a:spcPct val="150000"/>
+              </a:lnSpc>
+            </a:pPr>
+            <a:r>
+              <a:rPr lang="en-CA" sz="1600" dirty="0"/>
+              <a:t>     Additional Content</a:t>
+            </a:r>
+          </a:p>
+          <a:p>
+            <a:pPr marL="742950" lvl="1" indent="-285750">
+              <a:lnSpc>
+                <a:spcPct val="150000"/>
+              </a:lnSpc>
+              <a:buFont typeface="Arial" panose="020B0604020202020204" pitchFamily="34" charset="0"/>
+              <a:buChar char="•"/>
+            </a:pPr>
+            <a:r>
+              <a:rPr lang="zh-CN" altLang="en-US" sz="1600" dirty="0"/>
+              <a:t>介绍 </a:t>
+            </a:r>
+            <a:r>
+              <a:rPr lang="en-CA" altLang="zh-CN" sz="1600" dirty="0"/>
+              <a:t>Intro</a:t>
+            </a:r>
+          </a:p>
+          <a:p>
+            <a:pPr marL="742950" lvl="1" indent="-285750">
+              <a:lnSpc>
+                <a:spcPct val="150000"/>
+              </a:lnSpc>
+              <a:buFont typeface="Arial" panose="020B0604020202020204" pitchFamily="34" charset="0"/>
+              <a:buChar char="•"/>
+            </a:pPr>
+            <a:r>
+              <a:rPr lang="zh-CN" altLang="en-US" sz="1600" dirty="0"/>
+              <a:t>关键词 </a:t>
+            </a:r>
+            <a:r>
+              <a:rPr lang="en-CA" altLang="zh-CN" sz="1600" dirty="0"/>
+              <a:t>Glossary</a:t>
+            </a:r>
+          </a:p>
+          <a:p>
+            <a:pPr marL="742950" lvl="1" indent="-285750">
+              <a:lnSpc>
+                <a:spcPct val="150000"/>
+              </a:lnSpc>
+              <a:buFont typeface="Arial" panose="020B0604020202020204" pitchFamily="34" charset="0"/>
+              <a:buChar char="•"/>
+            </a:pPr>
+            <a:r>
+              <a:rPr lang="zh-CN" altLang="en-US" sz="1600" dirty="0"/>
+              <a:t>参考文献</a:t>
+            </a:r>
+            <a:r>
+              <a:rPr lang="en-CA" altLang="zh-CN" sz="1600" dirty="0"/>
+              <a:t> References</a:t>
+            </a:r>
+          </a:p>
+          <a:p>
+            <a:pPr marL="742950" lvl="1" indent="-285750">
+              <a:lnSpc>
+                <a:spcPct val="150000"/>
+              </a:lnSpc>
+              <a:buFont typeface="Arial" panose="020B0604020202020204" pitchFamily="34" charset="0"/>
+              <a:buChar char="•"/>
+            </a:pPr>
+            <a:r>
+              <a:rPr lang="zh-CN" altLang="en-US" sz="1600" dirty="0"/>
+              <a:t>额外阅读 </a:t>
+            </a:r>
+            <a:r>
+              <a:rPr lang="en-CA" altLang="zh-CN" sz="1600" dirty="0"/>
+              <a:t>Additional Readings</a:t>
+            </a:r>
+            <a:endParaRPr lang="en-CA" sz="1600" dirty="0"/>
+          </a:p>
+        </p:txBody>
+      </p:sp>
+      <p:sp>
+        <p:nvSpPr>
+          <p:cNvPr id="15" name="TextBox 14">
+            <a:extLst>
+              <a:ext uri="{FF2B5EF4-FFF2-40B4-BE49-F238E27FC236}">
+                <a16:creationId xmlns:a16="http://schemas.microsoft.com/office/drawing/2014/main" id="{977CE8E3-31DE-441E-9404-34BF631252C0}"/>
               </a:ext>
             </a:extLst>
           </p:cNvPr>
@@ -4582,7 +4576,7 @@
     </p:spTree>
     <p:extLst>
       <p:ext uri="{BB962C8B-B14F-4D97-AF65-F5344CB8AC3E}">
-        <p14:creationId xmlns:p14="http://schemas.microsoft.com/office/powerpoint/2010/main" val="2672349119"/>
+        <p14:creationId xmlns:p14="http://schemas.microsoft.com/office/powerpoint/2010/main" val="3764425075"/>
       </p:ext>
     </p:extLst>
   </p:cSld>
@@ -4713,19 +4707,11 @@
             </a:pPr>
             <a:r>
               <a:rPr lang="zh-CN" altLang="en-US" dirty="0"/>
-              <a:t>使用</a:t>
+              <a:t>谨记以下原则</a:t>
             </a:r>
             <a:r>
               <a:rPr lang="en-CA" altLang="zh-CN" dirty="0"/>
-              <a:t>Wiki</a:t>
-            </a:r>
-            <a:r>
-              <a:rPr lang="zh-CN" altLang="en-US" dirty="0"/>
-              <a:t>自带架构 </a:t>
-            </a:r>
-            <a:r>
-              <a:rPr lang="en-CA" altLang="zh-CN" dirty="0"/>
-              <a:t>=,==,===  Use Wiki’s own structure</a:t>
+              <a:t> Keep the following principles in mind:</a:t>
             </a:r>
           </a:p>
           <a:p>
@@ -4735,8 +4721,8 @@
               </a:lnSpc>
             </a:pPr>
             <a:r>
-              <a:rPr lang="en-CA" dirty="0"/>
-              <a:t>Example ===3.2.3 Memory===</a:t>
+              <a:rPr lang="en-CA" altLang="zh-CN" dirty="0"/>
+              <a:t>Focus, Staging, Abstraction, Modularity</a:t>
             </a:r>
           </a:p>
           <a:p>
@@ -4746,13 +4732,46 @@
               </a:lnSpc>
             </a:pPr>
             <a:r>
+              <a:rPr lang="zh-CN" altLang="en-US" b="1" dirty="0"/>
+              <a:t>不学计算机的室友是否听得懂</a:t>
+            </a:r>
+            <a:r>
+              <a:rPr lang="en-CA" altLang="zh-CN" b="1" dirty="0"/>
+              <a:t>?   C</a:t>
+            </a:r>
+            <a:r>
+              <a:rPr lang="en-US" altLang="zh-CN" b="1" dirty="0"/>
+              <a:t>an your roommate, who isn’t taking any computer courses understand what you are trying to say</a:t>
+            </a:r>
+            <a:r>
+              <a:rPr lang="en-US" altLang="zh-CN" dirty="0"/>
+              <a:t>?</a:t>
+            </a:r>
+            <a:endParaRPr lang="en-CA" altLang="zh-CN" dirty="0"/>
+          </a:p>
+          <a:p>
+            <a:pPr>
+              <a:lnSpc>
+                <a:spcPct val="140000"/>
+              </a:lnSpc>
+            </a:pPr>
+            <a:r>
               <a:rPr lang="zh-CN" altLang="en-US" dirty="0"/>
-              <a:t>点对点：与原文关键知识点的对应  </a:t>
+              <a:t>知识结构 </a:t>
             </a:r>
             <a:r>
               <a:rPr lang="en-CA" altLang="zh-CN" dirty="0"/>
-              <a:t>Point to point: correspond to key ideas in the original text</a:t>
-            </a:r>
+              <a:t>Knowledge </a:t>
+            </a:r>
+            <a:r>
+              <a:rPr lang="en-CA" altLang="zh-CN" dirty="0" err="1"/>
+              <a:t>strcutre</a:t>
+            </a:r>
+            <a:r>
+              <a:rPr lang="zh-CN" altLang="en-US" dirty="0"/>
+              <a:t>：</a:t>
+            </a:r>
+            <a:endParaRPr lang="en-CA" altLang="zh-CN" dirty="0"/>
           </a:p>
           <a:p>
             <a:pPr lvl="1">
@@ -4762,11 +4781,42 @@
             </a:pPr>
             <a:r>
               <a:rPr lang="zh-CN" altLang="en-US" dirty="0"/>
-              <a:t>见原文关键词  </a:t>
+              <a:t>宏观</a:t>
             </a:r>
             <a:r>
               <a:rPr lang="en-CA" altLang="zh-CN" dirty="0"/>
-              <a:t>See keywords from original text</a:t>
+              <a:t> Macro</a:t>
+            </a:r>
+          </a:p>
+          <a:p>
+            <a:pPr lvl="1">
+              <a:lnSpc>
+                <a:spcPct val="140000"/>
+              </a:lnSpc>
+            </a:pPr>
+            <a:r>
+              <a:rPr lang="zh-CN" altLang="en-US" dirty="0"/>
+              <a:t>中观 </a:t>
+            </a:r>
+            <a:r>
+              <a:rPr lang="en-CA" altLang="zh-CN" dirty="0" err="1"/>
+              <a:t>Meso</a:t>
+            </a:r>
+            <a:endParaRPr lang="en-CA" altLang="zh-CN" dirty="0"/>
+          </a:p>
+          <a:p>
+            <a:pPr lvl="1">
+              <a:lnSpc>
+                <a:spcPct val="140000"/>
+              </a:lnSpc>
+            </a:pPr>
+            <a:r>
+              <a:rPr lang="zh-CN" altLang="en-US" dirty="0"/>
+              <a:t>微观 </a:t>
+            </a:r>
+            <a:r>
+              <a:rPr lang="en-CA" altLang="zh-CN" dirty="0"/>
+              <a:t>Micro</a:t>
             </a:r>
           </a:p>
           <a:p>
@@ -4777,11 +4827,11 @@
             </a:pPr>
             <a:r>
               <a:rPr lang="zh-CN" altLang="en-US" dirty="0"/>
-              <a:t>线对线：与关键知识之间联系的对应</a:t>
+              <a:t>在课本已有内容之外，对知识背景的阐述  </a:t>
             </a:r>
             <a:r>
               <a:rPr lang="en-CA" altLang="zh-CN" dirty="0"/>
-              <a:t> Line to line: correspond to the links among key ideas</a:t>
+              <a:t>Explanations on knowledge background in addition to original text</a:t>
             </a:r>
           </a:p>
           <a:p>
@@ -4792,91 +4842,50 @@
             </a:pPr>
             <a:r>
               <a:rPr lang="zh-CN" altLang="en-US" dirty="0"/>
-              <a:t>对原文提到的概念关系进一步说明 </a:t>
+              <a:t>底层 </a:t>
             </a:r>
             <a:r>
               <a:rPr lang="en-CA" altLang="zh-CN" dirty="0"/>
-              <a:t>Additional comments on key relationship among ideas from the original text</a:t>
-            </a:r>
-          </a:p>
-          <a:p>
-            <a:pPr>
+              <a:t> Fundamental knowledge</a:t>
+            </a:r>
+          </a:p>
+          <a:p>
+            <a:pPr lvl="1">
               <a:lnSpc>
                 <a:spcPct val="140000"/>
               </a:lnSpc>
             </a:pPr>
             <a:r>
               <a:rPr lang="zh-CN" altLang="en-US" dirty="0"/>
-              <a:t>用自己的话，阐述原文出现的关键词和概念 </a:t>
-            </a:r>
-            <a:endParaRPr lang="en-CA" altLang="zh-CN" dirty="0"/>
-          </a:p>
-          <a:p>
-            <a:pPr marL="0" indent="0">
+              <a:t>当前 </a:t>
+            </a:r>
+            <a:r>
+              <a:rPr lang="en-CA" altLang="zh-CN" dirty="0"/>
+              <a:t> Currently relevant</a:t>
+            </a:r>
+          </a:p>
+          <a:p>
+            <a:pPr lvl="1">
               <a:lnSpc>
                 <a:spcPct val="140000"/>
               </a:lnSpc>
-              <a:buNone/>
-            </a:pPr>
+            </a:pPr>
+            <a:r>
+              <a:rPr lang="zh-CN" altLang="en-US" dirty="0"/>
+              <a:t>上层</a:t>
+            </a:r>
             <a:r>
               <a:rPr lang="en-CA" altLang="zh-CN" dirty="0"/>
-              <a:t>       Elaborate in your own words, on the keywords and concepts from the original text</a:t>
-            </a:r>
-          </a:p>
-          <a:p>
-            <a:pPr>
-              <a:lnSpc>
-                <a:spcPct val="140000"/>
-              </a:lnSpc>
-            </a:pPr>
+              <a:t>/</a:t>
+            </a:r>
             <a:r>
               <a:rPr lang="zh-CN" altLang="en-US" dirty="0"/>
-              <a:t>对额外内容添加自己的注解 </a:t>
-            </a:r>
-            <a:endParaRPr lang="en-CA" altLang="zh-CN" dirty="0"/>
-          </a:p>
-          <a:p>
-            <a:pPr marL="0" indent="0">
-              <a:lnSpc>
-                <a:spcPct val="140000"/>
-              </a:lnSpc>
-              <a:buNone/>
-            </a:pPr>
+              <a:t>引申 </a:t>
+            </a:r>
             <a:r>
               <a:rPr lang="en-CA" altLang="zh-CN" dirty="0"/>
-              <a:t>      </a:t>
-            </a:r>
-            <a:r>
-              <a:rPr lang="zh-CN" altLang="en-US" dirty="0"/>
-              <a:t> </a:t>
-            </a:r>
-            <a:r>
-              <a:rPr lang="en-CA" altLang="zh-CN" dirty="0"/>
-              <a:t>Add your additional understanding on the contents and extra material</a:t>
-            </a:r>
-          </a:p>
-          <a:p>
-            <a:pPr>
-              <a:lnSpc>
-                <a:spcPct val="140000"/>
-              </a:lnSpc>
-            </a:pPr>
-            <a:r>
-              <a:rPr lang="zh-CN" altLang="en-US" dirty="0"/>
-              <a:t>参照额外资源  </a:t>
-            </a:r>
-            <a:r>
-              <a:rPr lang="en-CA" altLang="zh-CN" dirty="0"/>
-              <a:t>Use additional reference resources</a:t>
-            </a:r>
-          </a:p>
-          <a:p>
-            <a:pPr marL="0" indent="0">
-              <a:lnSpc>
-                <a:spcPct val="140000"/>
-              </a:lnSpc>
-              <a:buNone/>
-            </a:pPr>
+              <a:t>Extending beyond this level, other relevant ideas</a:t>
+            </a:r>
             <a:endParaRPr lang="en-CA" dirty="0"/>
           </a:p>
         </p:txBody>
@@ -4964,7 +4973,7 @@
           <p:cNvPr id="8" name="TextBox 7">
             <a:extLst>
               <a:ext uri="{FF2B5EF4-FFF2-40B4-BE49-F238E27FC236}">
-                <a16:creationId xmlns:a16="http://schemas.microsoft.com/office/drawing/2014/main" id="{94C2DB48-6767-47C4-95F2-0D75A5A52344}"/>
+                <a16:creationId xmlns:a16="http://schemas.microsoft.com/office/drawing/2014/main" id="{DBB6D908-DB95-4CB0-8AB8-C50E80D6CC54}"/>
               </a:ext>
             </a:extLst>
           </p:cNvPr>
@@ -5015,7 +5024,7 @@
     </p:spTree>
     <p:extLst>
       <p:ext uri="{BB962C8B-B14F-4D97-AF65-F5344CB8AC3E}">
-        <p14:creationId xmlns:p14="http://schemas.microsoft.com/office/powerpoint/2010/main" val="4195747863"/>
+        <p14:creationId xmlns:p14="http://schemas.microsoft.com/office/powerpoint/2010/main" val="2672349119"/>
       </p:ext>
     </p:extLst>
   </p:cSld>
@@ -5101,7 +5110,7 @@
           <a:p>
             <a:r>
               <a:rPr lang="zh-CN" altLang="en-US" dirty="0"/>
-              <a:t>注意事项 </a:t>
+              <a:t>写作标准 </a:t>
             </a:r>
             <a:r>
               <a:rPr lang="en-CA" altLang="zh-CN" dirty="0"/>
@@ -5127,7 +5136,12 @@
             <p:ph idx="1"/>
           </p:nvPr>
         </p:nvSpPr>
-        <p:spPr/>
+        <p:spPr>
+          <a:xfrm>
+            <a:off x="838200" y="1825625"/>
+            <a:ext cx="9903781" cy="4351338"/>
+          </a:xfrm>
+        </p:spPr>
         <p:txBody>
           <a:bodyPr>
             <a:normAutofit fontScale="55000" lnSpcReduction="20000"/>
@@ -5141,11 +5155,30 @@
             </a:pPr>
             <a:r>
               <a:rPr lang="zh-CN" altLang="en-US" dirty="0"/>
-              <a:t>如果不确定英文表达，可附上中文  </a:t>
+              <a:t>使用</a:t>
             </a:r>
             <a:r>
               <a:rPr lang="en-CA" altLang="zh-CN" dirty="0"/>
-              <a:t>If you are not sure how to write it in English, include the original idea in Chinese</a:t>
+              <a:t>Wiki</a:t>
+            </a:r>
+            <a:r>
+              <a:rPr lang="zh-CN" altLang="en-US" dirty="0"/>
+              <a:t>自带架构 </a:t>
+            </a:r>
+            <a:r>
+              <a:rPr lang="en-CA" altLang="zh-CN" dirty="0"/>
+              <a:t>=,==,===  Use Wiki’s own structure</a:t>
+            </a:r>
+          </a:p>
+          <a:p>
+            <a:pPr lvl="1">
+              <a:lnSpc>
+                <a:spcPct val="140000"/>
+              </a:lnSpc>
+            </a:pPr>
+            <a:r>
+              <a:rPr lang="en-CA" dirty="0"/>
+              <a:t>Example ===3.2.3 Memory===</a:t>
             </a:r>
           </a:p>
           <a:p>
@@ -5156,17 +5189,27 @@
             </a:pPr>
             <a:r>
               <a:rPr lang="zh-CN" altLang="en-US" dirty="0"/>
-              <a:t>比喻和对比时避免使用不在原书内的技术词汇  </a:t>
+              <a:t>点对点：与原文关键知识点的对应  </a:t>
             </a:r>
             <a:r>
               <a:rPr lang="en-CA" altLang="zh-CN" dirty="0"/>
-              <a:t>When making analogies or </a:t>
-            </a:r>
-            <a:r>
-              <a:rPr lang="en-US" altLang="zh-CN" dirty="0"/>
-              <a:t>comparisons, avoid using any technical terminology not in the text book.</a:t>
-            </a:r>
-            <a:endParaRPr lang="en-CA" altLang="zh-CN" dirty="0"/>
+              <a:t>Point to point: correspond to key ideas in the original text</a:t>
+            </a:r>
+          </a:p>
+          <a:p>
+            <a:pPr lvl="1">
+              <a:lnSpc>
+                <a:spcPct val="140000"/>
+              </a:lnSpc>
+            </a:pPr>
+            <a:r>
+              <a:rPr lang="zh-CN" altLang="en-US" dirty="0"/>
+              <a:t>见原文关键词  </a:t>
+            </a:r>
+            <a:r>
+              <a:rPr lang="en-CA" altLang="zh-CN" dirty="0"/>
+              <a:t>See keywords from original text</a:t>
+            </a:r>
           </a:p>
           <a:p>
             <a:pPr>
@@ -5176,11 +5219,11 @@
             </a:pPr>
             <a:r>
               <a:rPr lang="zh-CN" altLang="en-US" dirty="0"/>
-              <a:t>词表  </a:t>
+              <a:t>线对线：与关键知识之间联系的对应</a:t>
             </a:r>
             <a:r>
               <a:rPr lang="en-CA" altLang="zh-CN" dirty="0"/>
-              <a:t>Glossary of Terms</a:t>
+              <a:t> Line to line: correspond to the links among key ideas</a:t>
             </a:r>
           </a:p>
           <a:p>
@@ -5191,19 +5234,11 @@
             </a:pPr>
             <a:r>
               <a:rPr lang="zh-CN" altLang="en-US" dirty="0"/>
-              <a:t>至少包括</a:t>
+              <a:t>对原文提到的概念关系进一步说明 </a:t>
             </a:r>
             <a:r>
               <a:rPr lang="en-CA" altLang="zh-CN" dirty="0"/>
-              <a:t>Nand2Tetris</a:t>
-            </a:r>
-            <a:r>
-              <a:rPr lang="zh-CN" altLang="en-US" dirty="0"/>
-              <a:t>的关键词</a:t>
-            </a:r>
-            <a:r>
-              <a:rPr lang="en-CA" altLang="zh-CN" dirty="0"/>
-              <a:t>  At least include keywords from Nand2Tetris</a:t>
+              <a:t>Additional comments on key relationship among ideas from the original text</a:t>
             </a:r>
           </a:p>
           <a:p>
@@ -5214,56 +5249,21 @@
             </a:pPr>
             <a:r>
               <a:rPr lang="zh-CN" altLang="en-US" dirty="0"/>
-              <a:t>命名空间</a:t>
-            </a:r>
-            <a:r>
-              <a:rPr lang="en-CA" altLang="zh-CN" dirty="0"/>
-              <a:t> Namespace</a:t>
-            </a:r>
-          </a:p>
-          <a:p>
-            <a:pPr lvl="1">
+              <a:t>用自己的话，阐述原文出现的关键词和概念 </a:t>
+            </a:r>
+            <a:endParaRPr lang="en-CA" altLang="zh-CN" dirty="0"/>
+          </a:p>
+          <a:p>
+            <a:pPr marL="0" indent="0">
               <a:lnSpc>
                 <a:spcPct val="140000"/>
               </a:lnSpc>
-            </a:pPr>
-            <a:r>
-              <a:rPr lang="zh-CN" altLang="en-US" dirty="0"/>
-              <a:t>每个章节应有独立页面 </a:t>
-            </a:r>
+              <a:buNone/>
+            </a:pPr>
             <a:r>
               <a:rPr lang="en-CA" altLang="zh-CN" dirty="0"/>
-              <a:t>[Chapter 1]  Each chapter should have an independent page</a:t>
-            </a:r>
-          </a:p>
-          <a:p>
-            <a:pPr lvl="1">
-              <a:lnSpc>
-                <a:spcPct val="140000"/>
-              </a:lnSpc>
-            </a:pPr>
-            <a:r>
-              <a:rPr lang="zh-CN" altLang="en-US" dirty="0"/>
-              <a:t>使用原文命名，避免混淆 </a:t>
-            </a:r>
-            <a:r>
-              <a:rPr lang="en-CA" altLang="zh-CN" dirty="0"/>
-              <a:t>Naming follows original book to minimize confusion</a:t>
-            </a:r>
-          </a:p>
-          <a:p>
-            <a:pPr lvl="2">
-              <a:lnSpc>
-                <a:spcPct val="140000"/>
-              </a:lnSpc>
-            </a:pPr>
-            <a:r>
-              <a:rPr lang="en-CA" altLang="zh-CN" dirty="0">
-                <a:hlinkClick r:id="rId3"/>
-              </a:rPr>
-              <a:t>http://nand2tetris.org/course.php</a:t>
-            </a:r>
-            <a:endParaRPr lang="en-CA" altLang="zh-CN" dirty="0"/>
+              <a:t>       Elaborate in your own words, on the keywords and concepts from the original text</a:t>
+            </a:r>
           </a:p>
           <a:p>
             <a:pPr>
@@ -5273,30 +5273,28 @@
             </a:pPr>
             <a:r>
               <a:rPr lang="zh-CN" altLang="en-US" dirty="0"/>
-              <a:t>参考文献使用</a:t>
-            </a:r>
-            <a:r>
-              <a:rPr lang="en-CA" altLang="zh-CN" dirty="0"/>
-              <a:t>APA</a:t>
-            </a:r>
-            <a:r>
-              <a:rPr lang="zh-CN" altLang="en-US" dirty="0"/>
-              <a:t>格式  </a:t>
-            </a:r>
-            <a:r>
-              <a:rPr lang="en-CA" altLang="zh-CN" dirty="0"/>
-              <a:t>Use APA format for all references</a:t>
-            </a:r>
-          </a:p>
-          <a:p>
-            <a:pPr lvl="1">
+              <a:t>对额外内容添加自己的注解 </a:t>
+            </a:r>
+            <a:endParaRPr lang="en-CA" altLang="zh-CN" dirty="0"/>
+          </a:p>
+          <a:p>
+            <a:pPr marL="0" indent="0">
               <a:lnSpc>
                 <a:spcPct val="140000"/>
               </a:lnSpc>
+              <a:buNone/>
             </a:pPr>
             <a:r>
               <a:rPr lang="en-CA" altLang="zh-CN" dirty="0"/>
-              <a:t>http://owl.english.purdue.edu/owl/resource/560/01/</a:t>
+              <a:t>      </a:t>
+            </a:r>
+            <a:r>
+              <a:rPr lang="zh-CN" altLang="en-US" dirty="0"/>
+              <a:t> </a:t>
+            </a:r>
+            <a:r>
+              <a:rPr lang="en-CA" altLang="zh-CN" dirty="0"/>
+              <a:t>Add your additional understanding on the contents and extra material</a:t>
             </a:r>
           </a:p>
           <a:p>
@@ -5305,23 +5303,23 @@
                 <a:spcPct val="140000"/>
               </a:lnSpc>
             </a:pPr>
-            <a:endParaRPr lang="en-CA" altLang="zh-CN" dirty="0"/>
-          </a:p>
-          <a:p>
-            <a:pPr lvl="1">
+            <a:r>
+              <a:rPr lang="zh-CN" altLang="en-US" dirty="0"/>
+              <a:t>参照额外资源  </a:t>
+            </a:r>
+            <a:r>
+              <a:rPr lang="en-CA" altLang="zh-CN" dirty="0"/>
+              <a:t>Use additional reference resources</a:t>
+            </a:r>
+          </a:p>
+          <a:p>
+            <a:pPr marL="0" indent="0">
               <a:lnSpc>
                 <a:spcPct val="140000"/>
               </a:lnSpc>
-            </a:pPr>
-            <a:endParaRPr lang="en-CA" altLang="zh-CN" dirty="0"/>
-          </a:p>
-          <a:p>
-            <a:pPr lvl="1">
-              <a:lnSpc>
-                <a:spcPct val="140000"/>
-              </a:lnSpc>
-            </a:pPr>
-            <a:endParaRPr lang="en-CA" altLang="zh-CN" dirty="0"/>
+              <a:buNone/>
+            </a:pPr>
+            <a:endParaRPr lang="en-CA" dirty="0"/>
           </a:p>
         </p:txBody>
       </p:sp>
@@ -5340,7 +5338,7 @@
           <p:nvPr/>
         </p:nvPicPr>
         <p:blipFill>
-          <a:blip r:embed="rId4">
+          <a:blip r:embed="rId3">
             <a:extLst>
               <a:ext uri="{28A0092B-C50C-407E-A947-70E740481C1C}">
                 <a14:useLocalDpi xmlns:a14="http://schemas.microsoft.com/office/drawing/2010/main" val="0"/>
@@ -5408,7 +5406,7 @@
           <p:cNvPr id="8" name="TextBox 7">
             <a:extLst>
               <a:ext uri="{FF2B5EF4-FFF2-40B4-BE49-F238E27FC236}">
-                <a16:creationId xmlns:a16="http://schemas.microsoft.com/office/drawing/2014/main" id="{90BEB276-76AA-4780-9F2C-754421BAA6C7}"/>
+                <a16:creationId xmlns:a16="http://schemas.microsoft.com/office/drawing/2014/main" id="{94C2DB48-6767-47C4-95F2-0D75A5A52344}"/>
               </a:ext>
             </a:extLst>
           </p:cNvPr>
@@ -5459,7 +5457,7 @@
     </p:spTree>
     <p:extLst>
       <p:ext uri="{BB962C8B-B14F-4D97-AF65-F5344CB8AC3E}">
-        <p14:creationId xmlns:p14="http://schemas.microsoft.com/office/powerpoint/2010/main" val="2207799151"/>
+        <p14:creationId xmlns:p14="http://schemas.microsoft.com/office/powerpoint/2010/main" val="4195747863"/>
       </p:ext>
     </p:extLst>
   </p:cSld>
@@ -5545,6 +5543,450 @@
           <a:p>
             <a:r>
               <a:rPr lang="zh-CN" altLang="en-US" dirty="0"/>
+              <a:t>注意事项 </a:t>
+            </a:r>
+            <a:r>
+              <a:rPr lang="en-CA" altLang="zh-CN" dirty="0"/>
+              <a:t>Structure</a:t>
+            </a:r>
+            <a:endParaRPr lang="en-CA" dirty="0"/>
+          </a:p>
+        </p:txBody>
+      </p:sp>
+      <p:sp>
+        <p:nvSpPr>
+          <p:cNvPr id="3" name="Content Placeholder 2">
+            <a:extLst>
+              <a:ext uri="{FF2B5EF4-FFF2-40B4-BE49-F238E27FC236}">
+                <a16:creationId xmlns:a16="http://schemas.microsoft.com/office/drawing/2014/main" id="{B6D5B12F-07A0-491E-B162-63C698346E24}"/>
+              </a:ext>
+            </a:extLst>
+          </p:cNvPr>
+          <p:cNvSpPr>
+            <a:spLocks noGrp="1"/>
+          </p:cNvSpPr>
+          <p:nvPr>
+            <p:ph idx="1"/>
+          </p:nvPr>
+        </p:nvSpPr>
+        <p:spPr/>
+        <p:txBody>
+          <a:bodyPr>
+            <a:normAutofit fontScale="55000" lnSpcReduction="20000"/>
+          </a:bodyPr>
+          <a:lstStyle/>
+          <a:p>
+            <a:pPr>
+              <a:lnSpc>
+                <a:spcPct val="140000"/>
+              </a:lnSpc>
+            </a:pPr>
+            <a:r>
+              <a:rPr lang="zh-CN" altLang="en-US" dirty="0"/>
+              <a:t>如果不确定英文表达，可附上中文  </a:t>
+            </a:r>
+            <a:r>
+              <a:rPr lang="en-CA" altLang="zh-CN" dirty="0"/>
+              <a:t>If you are not sure how to write it in English, include the original idea in Chinese</a:t>
+            </a:r>
+          </a:p>
+          <a:p>
+            <a:pPr>
+              <a:lnSpc>
+                <a:spcPct val="140000"/>
+              </a:lnSpc>
+            </a:pPr>
+            <a:r>
+              <a:rPr lang="zh-CN" altLang="en-US" dirty="0"/>
+              <a:t>比喻和对比时避免使用不在原书内的技术词汇  </a:t>
+            </a:r>
+            <a:r>
+              <a:rPr lang="en-CA" altLang="zh-CN" dirty="0"/>
+              <a:t>When making analogies or </a:t>
+            </a:r>
+            <a:r>
+              <a:rPr lang="en-US" altLang="zh-CN" dirty="0"/>
+              <a:t>comparisons, avoid using any technical terminology not in the text book.</a:t>
+            </a:r>
+            <a:endParaRPr lang="en-CA" altLang="zh-CN" dirty="0"/>
+          </a:p>
+          <a:p>
+            <a:pPr>
+              <a:lnSpc>
+                <a:spcPct val="140000"/>
+              </a:lnSpc>
+            </a:pPr>
+            <a:r>
+              <a:rPr lang="zh-CN" altLang="en-US" dirty="0"/>
+              <a:t>词表  </a:t>
+            </a:r>
+            <a:r>
+              <a:rPr lang="en-CA" altLang="zh-CN" dirty="0"/>
+              <a:t>Glossary of Terms</a:t>
+            </a:r>
+          </a:p>
+          <a:p>
+            <a:pPr lvl="1">
+              <a:lnSpc>
+                <a:spcPct val="140000"/>
+              </a:lnSpc>
+            </a:pPr>
+            <a:r>
+              <a:rPr lang="zh-CN" altLang="en-US" dirty="0"/>
+              <a:t>至少包括</a:t>
+            </a:r>
+            <a:r>
+              <a:rPr lang="en-CA" altLang="zh-CN" dirty="0"/>
+              <a:t>Nand2Tetris</a:t>
+            </a:r>
+            <a:r>
+              <a:rPr lang="zh-CN" altLang="en-US" dirty="0"/>
+              <a:t>的关键词</a:t>
+            </a:r>
+            <a:r>
+              <a:rPr lang="en-CA" altLang="zh-CN" dirty="0"/>
+              <a:t>  At least include keywords from Nand2Tetris</a:t>
+            </a:r>
+          </a:p>
+          <a:p>
+            <a:pPr>
+              <a:lnSpc>
+                <a:spcPct val="140000"/>
+              </a:lnSpc>
+            </a:pPr>
+            <a:r>
+              <a:rPr lang="zh-CN" altLang="en-US" dirty="0"/>
+              <a:t>命名空间</a:t>
+            </a:r>
+            <a:r>
+              <a:rPr lang="en-CA" altLang="zh-CN" dirty="0"/>
+              <a:t> Namespace</a:t>
+            </a:r>
+          </a:p>
+          <a:p>
+            <a:pPr lvl="1">
+              <a:lnSpc>
+                <a:spcPct val="140000"/>
+              </a:lnSpc>
+            </a:pPr>
+            <a:r>
+              <a:rPr lang="zh-CN" altLang="en-US" dirty="0"/>
+              <a:t>每个章节应有独立页面 </a:t>
+            </a:r>
+            <a:r>
+              <a:rPr lang="en-CA" altLang="zh-CN" dirty="0"/>
+              <a:t>[Chapter 1]  Each chapter should have an independent page</a:t>
+            </a:r>
+          </a:p>
+          <a:p>
+            <a:pPr lvl="1">
+              <a:lnSpc>
+                <a:spcPct val="140000"/>
+              </a:lnSpc>
+            </a:pPr>
+            <a:r>
+              <a:rPr lang="zh-CN" altLang="en-US" dirty="0"/>
+              <a:t>使用原文命名，避免混淆 </a:t>
+            </a:r>
+            <a:r>
+              <a:rPr lang="en-CA" altLang="zh-CN" dirty="0"/>
+              <a:t>Naming follows original book to minimize confusion</a:t>
+            </a:r>
+          </a:p>
+          <a:p>
+            <a:pPr lvl="2">
+              <a:lnSpc>
+                <a:spcPct val="140000"/>
+              </a:lnSpc>
+            </a:pPr>
+            <a:r>
+              <a:rPr lang="en-CA" altLang="zh-CN" dirty="0">
+                <a:hlinkClick r:id="rId3"/>
+              </a:rPr>
+              <a:t>http://nand2tetris.org/course.php</a:t>
+            </a:r>
+            <a:endParaRPr lang="en-CA" altLang="zh-CN" dirty="0"/>
+          </a:p>
+          <a:p>
+            <a:pPr>
+              <a:lnSpc>
+                <a:spcPct val="140000"/>
+              </a:lnSpc>
+            </a:pPr>
+            <a:r>
+              <a:rPr lang="zh-CN" altLang="en-US" dirty="0"/>
+              <a:t>参考文献使用</a:t>
+            </a:r>
+            <a:r>
+              <a:rPr lang="en-CA" altLang="zh-CN" dirty="0"/>
+              <a:t>APA</a:t>
+            </a:r>
+            <a:r>
+              <a:rPr lang="zh-CN" altLang="en-US" dirty="0"/>
+              <a:t>格式  </a:t>
+            </a:r>
+            <a:r>
+              <a:rPr lang="en-CA" altLang="zh-CN" dirty="0"/>
+              <a:t>Use APA format for all references</a:t>
+            </a:r>
+          </a:p>
+          <a:p>
+            <a:pPr lvl="1">
+              <a:lnSpc>
+                <a:spcPct val="140000"/>
+              </a:lnSpc>
+            </a:pPr>
+            <a:r>
+              <a:rPr lang="en-CA" altLang="zh-CN" dirty="0"/>
+              <a:t>http://owl.english.purdue.edu/owl/resource/560/01/</a:t>
+            </a:r>
+          </a:p>
+          <a:p>
+            <a:pPr>
+              <a:lnSpc>
+                <a:spcPct val="140000"/>
+              </a:lnSpc>
+            </a:pPr>
+            <a:endParaRPr lang="en-CA" altLang="zh-CN" dirty="0"/>
+          </a:p>
+          <a:p>
+            <a:pPr lvl="1">
+              <a:lnSpc>
+                <a:spcPct val="140000"/>
+              </a:lnSpc>
+            </a:pPr>
+            <a:endParaRPr lang="en-CA" altLang="zh-CN" dirty="0"/>
+          </a:p>
+          <a:p>
+            <a:pPr lvl="1">
+              <a:lnSpc>
+                <a:spcPct val="140000"/>
+              </a:lnSpc>
+            </a:pPr>
+            <a:endParaRPr lang="en-CA" altLang="zh-CN" dirty="0"/>
+          </a:p>
+        </p:txBody>
+      </p:sp>
+      <p:pic>
+        <p:nvPicPr>
+          <p:cNvPr id="13" name="Picture 12">
+            <a:extLst>
+              <a:ext uri="{FF2B5EF4-FFF2-40B4-BE49-F238E27FC236}">
+                <a16:creationId xmlns:a16="http://schemas.microsoft.com/office/drawing/2014/main" id="{2A049FE2-5771-4C53-81CD-EF4762B1EB01}"/>
+              </a:ext>
+            </a:extLst>
+          </p:cNvPr>
+          <p:cNvPicPr>
+            <a:picLocks noChangeAspect="1"/>
+          </p:cNvPicPr>
+          <p:nvPr/>
+        </p:nvPicPr>
+        <p:blipFill>
+          <a:blip r:embed="rId4">
+            <a:extLst>
+              <a:ext uri="{28A0092B-C50C-407E-A947-70E740481C1C}">
+                <a14:useLocalDpi xmlns:a14="http://schemas.microsoft.com/office/drawing/2010/main" val="0"/>
+              </a:ext>
+            </a:extLst>
+          </a:blip>
+          <a:stretch>
+            <a:fillRect/>
+          </a:stretch>
+        </p:blipFill>
+        <p:spPr>
+          <a:xfrm>
+            <a:off x="838200" y="6058539"/>
+            <a:ext cx="1505505" cy="565952"/>
+          </a:xfrm>
+          <a:prstGeom prst="rect">
+            <a:avLst/>
+          </a:prstGeom>
+        </p:spPr>
+      </p:pic>
+      <p:sp>
+        <p:nvSpPr>
+          <p:cNvPr id="14" name="TextBox 13">
+            <a:extLst>
+              <a:ext uri="{FF2B5EF4-FFF2-40B4-BE49-F238E27FC236}">
+                <a16:creationId xmlns:a16="http://schemas.microsoft.com/office/drawing/2014/main" id="{351AD2F1-0B0A-4AD9-9C78-663B8DBCACA4}"/>
+              </a:ext>
+            </a:extLst>
+          </p:cNvPr>
+          <p:cNvSpPr txBox="1"/>
+          <p:nvPr/>
+        </p:nvSpPr>
+        <p:spPr>
+          <a:xfrm>
+            <a:off x="2438214" y="6253724"/>
+            <a:ext cx="4332490" cy="369332"/>
+          </a:xfrm>
+          <a:prstGeom prst="rect">
+            <a:avLst/>
+          </a:prstGeom>
+          <a:noFill/>
+        </p:spPr>
+        <p:txBody>
+          <a:bodyPr wrap="square" rtlCol="0">
+            <a:spAutoFit/>
+          </a:bodyPr>
+          <a:lstStyle/>
+          <a:p>
+            <a:r>
+              <a:rPr lang="en-CA" dirty="0">
+                <a:solidFill>
+                  <a:srgbClr val="5C307D"/>
+                </a:solidFill>
+                <a:latin typeface="Times New Roman" panose="02020603050405020304" pitchFamily="18" charset="0"/>
+                <a:ea typeface="Microsoft YaHei UI" panose="020B0503020204020204" pitchFamily="34" charset="-122"/>
+                <a:cs typeface="Times New Roman" panose="02020603050405020304" pitchFamily="18" charset="0"/>
+              </a:rPr>
+              <a:t>Computational Thinking and System Design</a:t>
+            </a:r>
+          </a:p>
+        </p:txBody>
+      </p:sp>
+      <p:sp>
+        <p:nvSpPr>
+          <p:cNvPr id="8" name="TextBox 7">
+            <a:extLst>
+              <a:ext uri="{FF2B5EF4-FFF2-40B4-BE49-F238E27FC236}">
+                <a16:creationId xmlns:a16="http://schemas.microsoft.com/office/drawing/2014/main" id="{90BEB276-76AA-4780-9F2C-754421BAA6C7}"/>
+              </a:ext>
+            </a:extLst>
+          </p:cNvPr>
+          <p:cNvSpPr txBox="1"/>
+          <p:nvPr/>
+        </p:nvSpPr>
+        <p:spPr>
+          <a:xfrm>
+            <a:off x="10669294" y="496371"/>
+            <a:ext cx="1103606" cy="369332"/>
+          </a:xfrm>
+          <a:prstGeom prst="rect">
+            <a:avLst/>
+          </a:prstGeom>
+          <a:noFill/>
+        </p:spPr>
+        <p:txBody>
+          <a:bodyPr wrap="square" rtlCol="0">
+            <a:spAutoFit/>
+          </a:bodyPr>
+          <a:lstStyle/>
+          <a:p>
+            <a:pPr algn="ctr"/>
+            <a:r>
+              <a:rPr lang="en-CA" b="1" dirty="0">
+                <a:solidFill>
+                  <a:srgbClr val="5C307D"/>
+                </a:solidFill>
+              </a:rPr>
+              <a:t>Week 1</a:t>
+            </a:r>
+            <a:r>
+              <a:rPr lang="en-US" altLang="zh-CN" b="1" dirty="0">
+                <a:solidFill>
+                  <a:srgbClr val="5C307D"/>
+                </a:solidFill>
+              </a:rPr>
+              <a:t>2</a:t>
+            </a:r>
+            <a:endParaRPr lang="en-CA" b="1" dirty="0">
+              <a:solidFill>
+                <a:srgbClr val="5C307D"/>
+              </a:solidFill>
+            </a:endParaRPr>
+          </a:p>
+        </p:txBody>
+      </p:sp>
+    </p:spTree>
+    <p:extLst>
+      <p:ext uri="{BB962C8B-B14F-4D97-AF65-F5344CB8AC3E}">
+        <p14:creationId xmlns:p14="http://schemas.microsoft.com/office/powerpoint/2010/main" val="2207799151"/>
+      </p:ext>
+    </p:extLst>
+  </p:cSld>
+  <p:clrMapOvr>
+    <a:masterClrMapping/>
+  </p:clrMapOvr>
+</p:sld>
+</file>
+
+<file path=ppt/slides/slide15.xml><?xml version="1.0" encoding="utf-8"?>
+<p:sld xmlns:a="http://schemas.openxmlformats.org/drawingml/2006/main" xmlns:r="http://schemas.openxmlformats.org/officeDocument/2006/relationships" xmlns:p="http://schemas.openxmlformats.org/presentationml/2006/main">
+  <p:cSld>
+    <p:spTree>
+      <p:nvGrpSpPr>
+        <p:cNvPr id="1" name=""/>
+        <p:cNvGrpSpPr/>
+        <p:nvPr/>
+      </p:nvGrpSpPr>
+      <p:grpSpPr>
+        <a:xfrm>
+          <a:off x="0" y="0"/>
+          <a:ext cx="0" cy="0"/>
+          <a:chOff x="0" y="0"/>
+          <a:chExt cx="0" cy="0"/>
+        </a:xfrm>
+      </p:grpSpPr>
+      <p:pic>
+        <p:nvPicPr>
+          <p:cNvPr id="9" name="Picture 8" descr="A close up of a logo&#10;&#10;Description generated with very high confidence">
+            <a:extLst>
+              <a:ext uri="{FF2B5EF4-FFF2-40B4-BE49-F238E27FC236}">
+                <a16:creationId xmlns:a16="http://schemas.microsoft.com/office/drawing/2014/main" id="{26648E6C-0EBA-4CBA-A8B1-81D31AB2D5A4}"/>
+              </a:ext>
+            </a:extLst>
+          </p:cNvPr>
+          <p:cNvPicPr>
+            <a:picLocks noChangeAspect="1"/>
+          </p:cNvPicPr>
+          <p:nvPr/>
+        </p:nvPicPr>
+        <p:blipFill>
+          <a:blip r:embed="rId2">
+            <a:extLst>
+              <a:ext uri="{28A0092B-C50C-407E-A947-70E740481C1C}">
+                <a14:useLocalDpi xmlns:a14="http://schemas.microsoft.com/office/drawing/2010/main" val="0"/>
+              </a:ext>
+            </a:extLst>
+          </a:blip>
+          <a:stretch>
+            <a:fillRect/>
+          </a:stretch>
+        </p:blipFill>
+        <p:spPr>
+          <a:xfrm>
+            <a:off x="0" y="0"/>
+            <a:ext cx="12192000" cy="6858000"/>
+          </a:xfrm>
+          <a:prstGeom prst="rect">
+            <a:avLst/>
+          </a:prstGeom>
+        </p:spPr>
+      </p:pic>
+      <p:sp>
+        <p:nvSpPr>
+          <p:cNvPr id="2" name="Title 1">
+            <a:extLst>
+              <a:ext uri="{FF2B5EF4-FFF2-40B4-BE49-F238E27FC236}">
+                <a16:creationId xmlns:a16="http://schemas.microsoft.com/office/drawing/2014/main" id="{585E4B0B-A394-46A1-B9B9-F2FE53AAE697}"/>
+              </a:ext>
+            </a:extLst>
+          </p:cNvPr>
+          <p:cNvSpPr>
+            <a:spLocks noGrp="1"/>
+          </p:cNvSpPr>
+          <p:nvPr>
+            <p:ph type="title"/>
+          </p:nvPr>
+        </p:nvSpPr>
+        <p:spPr/>
+        <p:txBody>
+          <a:bodyPr/>
+          <a:lstStyle/>
+          <a:p>
+            <a:r>
+              <a:rPr lang="zh-CN" altLang="en-US" dirty="0"/>
               <a:t>资源 </a:t>
             </a:r>
             <a:r>
@@ -5890,7 +6332,7 @@
 </p:sld>
 </file>
 
-<file path=ppt/slides/slide15.xml><?xml version="1.0" encoding="utf-8"?>
+<file path=ppt/slides/slide16.xml><?xml version="1.0" encoding="utf-8"?>
 <p:sld xmlns:a="http://schemas.openxmlformats.org/drawingml/2006/main" xmlns:r="http://schemas.openxmlformats.org/officeDocument/2006/relationships" xmlns:p="http://schemas.openxmlformats.org/presentationml/2006/main">
   <p:cSld>
     <p:spTree>
@@ -7432,10 +7874,10 @@
       </p:grpSpPr>
       <p:pic>
         <p:nvPicPr>
-          <p:cNvPr id="7" name="Picture 6" descr="A close up of a logo&#10;&#10;Description generated with high confidence">
-            <a:extLst>
-              <a:ext uri="{FF2B5EF4-FFF2-40B4-BE49-F238E27FC236}">
-                <a16:creationId xmlns:a16="http://schemas.microsoft.com/office/drawing/2014/main" id="{B1FE106B-8A53-42CB-8B64-6B5DB5D7FFEF}"/>
+          <p:cNvPr id="9" name="Picture 8" descr="A close up of a logo&#10;&#10;Description generated with very high confidence">
+            <a:extLst>
+              <a:ext uri="{FF2B5EF4-FFF2-40B4-BE49-F238E27FC236}">
+                <a16:creationId xmlns:a16="http://schemas.microsoft.com/office/drawing/2014/main" id="{26648E6C-0EBA-4CBA-A8B1-81D31AB2D5A4}"/>
               </a:ext>
             </a:extLst>
           </p:cNvPr>
@@ -7466,78 +7908,48 @@
           </a:prstGeom>
         </p:spPr>
       </p:pic>
-      <p:sp>
-        <p:nvSpPr>
-          <p:cNvPr id="2" name="Title 1">
-            <a:extLst>
-              <a:ext uri="{FF2B5EF4-FFF2-40B4-BE49-F238E27FC236}">
-                <a16:creationId xmlns:a16="http://schemas.microsoft.com/office/drawing/2014/main" id="{5EAC860C-63EC-4275-A4A0-8A394004050A}"/>
-              </a:ext>
-            </a:extLst>
-          </p:cNvPr>
-          <p:cNvSpPr>
-            <a:spLocks noGrp="1"/>
-          </p:cNvSpPr>
-          <p:nvPr>
-            <p:ph type="ctrTitle"/>
-          </p:nvPr>
-        </p:nvSpPr>
-        <p:spPr>
-          <a:xfrm>
-            <a:off x="2216271" y="1728772"/>
-            <a:ext cx="7472039" cy="2387600"/>
-          </a:xfrm>
-        </p:spPr>
-        <p:txBody>
-          <a:bodyPr/>
-          <a:lstStyle/>
-          <a:p>
-            <a:r>
-              <a:rPr lang="en-CA" dirty="0"/>
-              <a:t>Digital Publishing</a:t>
-            </a:r>
-          </a:p>
-        </p:txBody>
-      </p:sp>
-      <p:sp>
-        <p:nvSpPr>
-          <p:cNvPr id="3" name="Subtitle 2">
-            <a:extLst>
-              <a:ext uri="{FF2B5EF4-FFF2-40B4-BE49-F238E27FC236}">
-                <a16:creationId xmlns:a16="http://schemas.microsoft.com/office/drawing/2014/main" id="{292BD96F-D870-4CDE-8764-EA2AF1975241}"/>
-              </a:ext>
-            </a:extLst>
-          </p:cNvPr>
-          <p:cNvSpPr>
-            <a:spLocks noGrp="1"/>
-          </p:cNvSpPr>
-          <p:nvPr>
-            <p:ph type="subTitle" idx="1"/>
-          </p:nvPr>
-        </p:nvSpPr>
-        <p:spPr>
-          <a:xfrm>
-            <a:off x="2216271" y="4208447"/>
-            <a:ext cx="7472039" cy="1655762"/>
-          </a:xfrm>
-        </p:spPr>
-        <p:txBody>
-          <a:bodyPr/>
-          <a:lstStyle/>
-          <a:p>
-            <a:r>
-              <a:rPr lang="en-CA" dirty="0"/>
-              <a:t>Group 5</a:t>
-            </a:r>
-          </a:p>
-        </p:txBody>
-      </p:sp>
-      <p:sp>
-        <p:nvSpPr>
-          <p:cNvPr id="13" name="TextBox 12">
-            <a:extLst>
-              <a:ext uri="{FF2B5EF4-FFF2-40B4-BE49-F238E27FC236}">
-                <a16:creationId xmlns:a16="http://schemas.microsoft.com/office/drawing/2014/main" id="{3AD45C31-CC23-4D0F-9B61-A0EB41CFD817}"/>
+      <p:pic>
+        <p:nvPicPr>
+          <p:cNvPr id="13" name="Picture 12">
+            <a:extLst>
+              <a:ext uri="{FF2B5EF4-FFF2-40B4-BE49-F238E27FC236}">
+                <a16:creationId xmlns:a16="http://schemas.microsoft.com/office/drawing/2014/main" id="{2A049FE2-5771-4C53-81CD-EF4762B1EB01}"/>
+              </a:ext>
+            </a:extLst>
+          </p:cNvPr>
+          <p:cNvPicPr>
+            <a:picLocks noChangeAspect="1"/>
+          </p:cNvPicPr>
+          <p:nvPr/>
+        </p:nvPicPr>
+        <p:blipFill>
+          <a:blip r:embed="rId3">
+            <a:extLst>
+              <a:ext uri="{28A0092B-C50C-407E-A947-70E740481C1C}">
+                <a14:useLocalDpi xmlns:a14="http://schemas.microsoft.com/office/drawing/2010/main" val="0"/>
+              </a:ext>
+            </a:extLst>
+          </a:blip>
+          <a:stretch>
+            <a:fillRect/>
+          </a:stretch>
+        </p:blipFill>
+        <p:spPr>
+          <a:xfrm>
+            <a:off x="838200" y="6058539"/>
+            <a:ext cx="1505505" cy="565952"/>
+          </a:xfrm>
+          <a:prstGeom prst="rect">
+            <a:avLst/>
+          </a:prstGeom>
+        </p:spPr>
+      </p:pic>
+      <p:sp>
+        <p:nvSpPr>
+          <p:cNvPr id="14" name="TextBox 13">
+            <a:extLst>
+              <a:ext uri="{FF2B5EF4-FFF2-40B4-BE49-F238E27FC236}">
+                <a16:creationId xmlns:a16="http://schemas.microsoft.com/office/drawing/2014/main" id="{351AD2F1-0B0A-4AD9-9C78-663B8DBCACA4}"/>
               </a:ext>
             </a:extLst>
           </p:cNvPr>
@@ -7546,8 +7958,8 @@
         </p:nvSpPr>
         <p:spPr>
           <a:xfrm>
-            <a:off x="2216271" y="1905805"/>
-            <a:ext cx="7759455" cy="523220"/>
+            <a:off x="2438214" y="6253724"/>
+            <a:ext cx="4332490" cy="369332"/>
           </a:xfrm>
           <a:prstGeom prst="rect">
             <a:avLst/>
@@ -7560,9 +7972,8 @@
           </a:bodyPr>
           <a:lstStyle/>
           <a:p>
-            <a:pPr algn="ctr"/>
-            <a:r>
-              <a:rPr lang="en-CA" sz="2800" dirty="0">
+            <a:r>
+              <a:rPr lang="en-CA" dirty="0">
                 <a:solidFill>
                   <a:srgbClr val="5C307D"/>
                 </a:solidFill>
@@ -7575,12 +7986,269 @@
           </a:p>
         </p:txBody>
       </p:sp>
+      <p:sp>
+        <p:nvSpPr>
+          <p:cNvPr id="8" name="TextBox 7">
+            <a:extLst>
+              <a:ext uri="{FF2B5EF4-FFF2-40B4-BE49-F238E27FC236}">
+                <a16:creationId xmlns:a16="http://schemas.microsoft.com/office/drawing/2014/main" id="{0FAFD4FC-0C07-4D9B-8D16-B2DFF9EE348D}"/>
+              </a:ext>
+            </a:extLst>
+          </p:cNvPr>
+          <p:cNvSpPr txBox="1"/>
+          <p:nvPr/>
+        </p:nvSpPr>
+        <p:spPr>
+          <a:xfrm>
+            <a:off x="10669294" y="496371"/>
+            <a:ext cx="1103606" cy="369332"/>
+          </a:xfrm>
+          <a:prstGeom prst="rect">
+            <a:avLst/>
+          </a:prstGeom>
+          <a:noFill/>
+        </p:spPr>
+        <p:txBody>
+          <a:bodyPr wrap="square" rtlCol="0">
+            <a:spAutoFit/>
+          </a:bodyPr>
+          <a:lstStyle/>
+          <a:p>
+            <a:pPr algn="ctr"/>
+            <a:r>
+              <a:rPr lang="en-CA" b="1" dirty="0">
+                <a:solidFill>
+                  <a:srgbClr val="5C307D"/>
+                </a:solidFill>
+              </a:rPr>
+              <a:t>Week 1</a:t>
+            </a:r>
+            <a:r>
+              <a:rPr lang="en-US" altLang="zh-CN" b="1" dirty="0">
+                <a:solidFill>
+                  <a:srgbClr val="5C307D"/>
+                </a:solidFill>
+              </a:rPr>
+              <a:t>2</a:t>
+            </a:r>
+            <a:endParaRPr lang="en-CA" b="1" dirty="0">
+              <a:solidFill>
+                <a:srgbClr val="5C307D"/>
+              </a:solidFill>
+            </a:endParaRPr>
+          </a:p>
+        </p:txBody>
+      </p:sp>
+      <p:sp>
+        <p:nvSpPr>
+          <p:cNvPr id="10" name="Title 1">
+            <a:extLst>
+              <a:ext uri="{FF2B5EF4-FFF2-40B4-BE49-F238E27FC236}">
+                <a16:creationId xmlns:a16="http://schemas.microsoft.com/office/drawing/2014/main" id="{EAEFC671-60E4-4717-9C6A-DE363C90CA43}"/>
+              </a:ext>
+            </a:extLst>
+          </p:cNvPr>
+          <p:cNvSpPr txBox="1">
+            <a:spLocks/>
+          </p:cNvSpPr>
+          <p:nvPr/>
+        </p:nvSpPr>
+        <p:spPr>
+          <a:xfrm>
+            <a:off x="705497" y="365125"/>
+            <a:ext cx="10515600" cy="1325563"/>
+          </a:xfrm>
+          <a:prstGeom prst="rect">
+            <a:avLst/>
+          </a:prstGeom>
+        </p:spPr>
+        <p:txBody>
+          <a:bodyPr vert="horz" lIns="91440" tIns="45720" rIns="91440" bIns="45720" rtlCol="0" anchor="ctr">
+            <a:normAutofit/>
+          </a:bodyPr>
+          <a:lstStyle>
+            <a:lvl1pPr algn="l" defTabSz="914400" rtl="0" eaLnBrk="1" latinLnBrk="0" hangingPunct="1">
+              <a:lnSpc>
+                <a:spcPct val="90000"/>
+              </a:lnSpc>
+              <a:spcBef>
+                <a:spcPct val="0"/>
+              </a:spcBef>
+              <a:buNone/>
+              <a:defRPr sz="4400" kern="1200">
+                <a:solidFill>
+                  <a:schemeClr val="tx1"/>
+                </a:solidFill>
+                <a:latin typeface="+mj-lt"/>
+                <a:ea typeface="+mj-ea"/>
+                <a:cs typeface="+mj-cs"/>
+              </a:defRPr>
+            </a:lvl1pPr>
+          </a:lstStyle>
+          <a:p>
+            <a:r>
+              <a:rPr lang="en-CA" sz="3600" dirty="0"/>
+              <a:t>Neural Network, Neuroscience and Psychology</a:t>
+            </a:r>
+          </a:p>
+        </p:txBody>
+      </p:sp>
+      <p:sp>
+        <p:nvSpPr>
+          <p:cNvPr id="11" name="TextBox 10">
+            <a:extLst>
+              <a:ext uri="{FF2B5EF4-FFF2-40B4-BE49-F238E27FC236}">
+                <a16:creationId xmlns:a16="http://schemas.microsoft.com/office/drawing/2014/main" id="{1FB315F6-850E-445C-9450-1444226B2C96}"/>
+              </a:ext>
+            </a:extLst>
+          </p:cNvPr>
+          <p:cNvSpPr txBox="1"/>
+          <p:nvPr/>
+        </p:nvSpPr>
+        <p:spPr>
+          <a:xfrm>
+            <a:off x="6145438" y="1704767"/>
+            <a:ext cx="5075659" cy="3785652"/>
+          </a:xfrm>
+          <a:prstGeom prst="rect">
+            <a:avLst/>
+          </a:prstGeom>
+          <a:noFill/>
+        </p:spPr>
+        <p:txBody>
+          <a:bodyPr wrap="square" rtlCol="0">
+            <a:spAutoFit/>
+          </a:bodyPr>
+          <a:lstStyle/>
+          <a:p>
+            <a:pPr marL="285750" indent="-285750">
+              <a:buFontTx/>
+              <a:buChar char="-"/>
+            </a:pPr>
+            <a:r>
+              <a:rPr lang="en-CA" sz="2000" dirty="0"/>
+              <a:t>Levels of cognition</a:t>
+            </a:r>
+          </a:p>
+          <a:p>
+            <a:pPr marL="742950" lvl="1" indent="-285750">
+              <a:buFontTx/>
+              <a:buChar char="-"/>
+            </a:pPr>
+            <a:r>
+              <a:rPr lang="en-CA" sz="2000" dirty="0"/>
+              <a:t>Sensorimotor</a:t>
+            </a:r>
+          </a:p>
+          <a:p>
+            <a:pPr marL="1200150" lvl="2" indent="-285750">
+              <a:buFontTx/>
+              <a:buChar char="-"/>
+            </a:pPr>
+            <a:r>
+              <a:rPr lang="en-CA" sz="2000" dirty="0"/>
+              <a:t>Neural Reflex (knee jerk response)</a:t>
+            </a:r>
+          </a:p>
+          <a:p>
+            <a:pPr marL="1200150" lvl="2" indent="-285750">
+              <a:buFontTx/>
+              <a:buChar char="-"/>
+            </a:pPr>
+            <a:r>
+              <a:rPr lang="en-CA" sz="2000" dirty="0"/>
+              <a:t>Basic Circuit</a:t>
+            </a:r>
+          </a:p>
+          <a:p>
+            <a:pPr marL="742950" lvl="1" indent="-285750">
+              <a:buFontTx/>
+              <a:buChar char="-"/>
+            </a:pPr>
+            <a:r>
+              <a:rPr lang="en-CA" sz="2000" dirty="0"/>
+              <a:t>Mental Representation</a:t>
+            </a:r>
+          </a:p>
+          <a:p>
+            <a:pPr marL="1200150" lvl="2" indent="-285750">
+              <a:buFontTx/>
+              <a:buChar char="-"/>
+            </a:pPr>
+            <a:r>
+              <a:rPr lang="en-CA" sz="2000" dirty="0"/>
+              <a:t>Object size and distance</a:t>
+            </a:r>
+          </a:p>
+          <a:p>
+            <a:pPr marL="1200150" lvl="2" indent="-285750">
+              <a:buFontTx/>
+              <a:buChar char="-"/>
+            </a:pPr>
+            <a:r>
+              <a:rPr lang="en-CA" sz="2000" dirty="0"/>
+              <a:t>Use of mental resources</a:t>
+            </a:r>
+          </a:p>
+          <a:p>
+            <a:pPr marL="742950" lvl="1" indent="-285750">
+              <a:buFontTx/>
+              <a:buChar char="-"/>
+            </a:pPr>
+            <a:r>
+              <a:rPr lang="en-CA" sz="2000" dirty="0"/>
+              <a:t>Reasoning</a:t>
+            </a:r>
+          </a:p>
+          <a:p>
+            <a:pPr marL="1200150" lvl="2" indent="-285750">
+              <a:buFontTx/>
+              <a:buChar char="-"/>
+            </a:pPr>
+            <a:r>
+              <a:rPr lang="en-US" altLang="zh-CN" sz="2000" dirty="0"/>
+              <a:t>2 &gt; 1</a:t>
+            </a:r>
+          </a:p>
+          <a:p>
+            <a:pPr marL="1200150" lvl="2" indent="-285750">
+              <a:buFontTx/>
+              <a:buChar char="-"/>
+            </a:pPr>
+            <a:r>
+              <a:rPr lang="en-US" sz="2000" dirty="0"/>
+              <a:t>Good &gt; Evil</a:t>
+            </a:r>
+            <a:endParaRPr lang="en-CA" sz="2000" dirty="0"/>
+          </a:p>
+          <a:p>
+            <a:pPr marL="742950" lvl="1" indent="-285750">
+              <a:buFontTx/>
+              <a:buChar char="-"/>
+            </a:pPr>
+            <a:r>
+              <a:rPr lang="en-CA" sz="2000" dirty="0"/>
+              <a:t>Affect</a:t>
+            </a:r>
+          </a:p>
+          <a:p>
+            <a:pPr marL="1200150" lvl="2" indent="-285750">
+              <a:buFontTx/>
+              <a:buChar char="-"/>
+            </a:pPr>
+            <a:r>
+              <a:rPr lang="en-CA" sz="2000" dirty="0"/>
+              <a:t>???</a:t>
+            </a:r>
+          </a:p>
+        </p:txBody>
+      </p:sp>
       <p:pic>
         <p:nvPicPr>
-          <p:cNvPr id="15" name="Picture 14">
-            <a:extLst>
-              <a:ext uri="{FF2B5EF4-FFF2-40B4-BE49-F238E27FC236}">
-                <a16:creationId xmlns:a16="http://schemas.microsoft.com/office/drawing/2014/main" id="{E25D5ADF-6B23-45C9-A906-867AFE97EC41}"/>
+          <p:cNvPr id="15" name="Content Placeholder 4" descr="Screen Clipping">
+            <a:extLst>
+              <a:ext uri="{FF2B5EF4-FFF2-40B4-BE49-F238E27FC236}">
+                <a16:creationId xmlns:a16="http://schemas.microsoft.com/office/drawing/2014/main" id="{4814B0F6-4ED8-4699-BD4D-82DF0E1FC1AD}"/>
               </a:ext>
             </a:extLst>
           </p:cNvPr>
@@ -7590,7 +8258,7 @@
           <p:nvPr/>
         </p:nvPicPr>
         <p:blipFill>
-          <a:blip r:embed="rId3">
+          <a:blip r:embed="rId4">
             <a:extLst>
               <a:ext uri="{28A0092B-C50C-407E-A947-70E740481C1C}">
                 <a14:useLocalDpi xmlns:a14="http://schemas.microsoft.com/office/drawing/2010/main" val="0"/>
@@ -7603,71 +8271,54 @@
         </p:blipFill>
         <p:spPr>
           <a:xfrm>
-            <a:off x="8912694" y="455566"/>
-            <a:ext cx="2779195" cy="1044760"/>
+            <a:off x="422024" y="1418214"/>
+            <a:ext cx="4032380" cy="2302439"/>
           </a:xfrm>
           <a:prstGeom prst="rect">
             <a:avLst/>
           </a:prstGeom>
         </p:spPr>
       </p:pic>
-      <p:sp>
-        <p:nvSpPr>
-          <p:cNvPr id="16" name="TextBox 15">
-            <a:extLst>
-              <a:ext uri="{FF2B5EF4-FFF2-40B4-BE49-F238E27FC236}">
-                <a16:creationId xmlns:a16="http://schemas.microsoft.com/office/drawing/2014/main" id="{85F794C7-8B57-4B89-AD7A-7B604161620C}"/>
-              </a:ext>
-            </a:extLst>
-          </p:cNvPr>
-          <p:cNvSpPr txBox="1"/>
+      <p:pic>
+        <p:nvPicPr>
+          <p:cNvPr id="16" name="Picture 15" descr="Screen Clipping">
+            <a:extLst>
+              <a:ext uri="{FF2B5EF4-FFF2-40B4-BE49-F238E27FC236}">
+                <a16:creationId xmlns:a16="http://schemas.microsoft.com/office/drawing/2014/main" id="{7DFAF491-089C-446D-B3C5-6B54E16AC942}"/>
+              </a:ext>
+            </a:extLst>
+          </p:cNvPr>
+          <p:cNvPicPr>
+            <a:picLocks noChangeAspect="1"/>
+          </p:cNvPicPr>
           <p:nvPr/>
-        </p:nvSpPr>
-        <p:spPr>
-          <a:xfrm>
-            <a:off x="10588283" y="6217768"/>
-            <a:ext cx="1103606" cy="369332"/>
+        </p:nvPicPr>
+        <p:blipFill>
+          <a:blip r:embed="rId5">
+            <a:extLst>
+              <a:ext uri="{28A0092B-C50C-407E-A947-70E740481C1C}">
+                <a14:useLocalDpi xmlns:a14="http://schemas.microsoft.com/office/drawing/2010/main" val="0"/>
+              </a:ext>
+            </a:extLst>
+          </a:blip>
+          <a:stretch>
+            <a:fillRect/>
+          </a:stretch>
+        </p:blipFill>
+        <p:spPr>
+          <a:xfrm>
+            <a:off x="2438214" y="3811057"/>
+            <a:ext cx="3514717" cy="2081870"/>
           </a:xfrm>
           <a:prstGeom prst="rect">
             <a:avLst/>
           </a:prstGeom>
-          <a:noFill/>
-        </p:spPr>
-        <p:txBody>
-          <a:bodyPr wrap="square" rtlCol="0">
-            <a:spAutoFit/>
-          </a:bodyPr>
-          <a:lstStyle/>
-          <a:p>
-            <a:pPr algn="ctr"/>
-            <a:r>
-              <a:rPr lang="en-CA" b="1" dirty="0">
-                <a:solidFill>
-                  <a:srgbClr val="5C307D"/>
-                </a:solidFill>
-              </a:rPr>
-              <a:t>Week 1</a:t>
-            </a:r>
-            <a:r>
-              <a:rPr lang="en-US" altLang="zh-CN" b="1" dirty="0">
-                <a:solidFill>
-                  <a:srgbClr val="5C307D"/>
-                </a:solidFill>
-              </a:rPr>
-              <a:t>1</a:t>
-            </a:r>
-            <a:endParaRPr lang="en-CA" b="1" dirty="0">
-              <a:solidFill>
-                <a:srgbClr val="5C307D"/>
-              </a:solidFill>
-            </a:endParaRPr>
-          </a:p>
-        </p:txBody>
-      </p:sp>
+        </p:spPr>
+      </p:pic>
     </p:spTree>
     <p:extLst>
       <p:ext uri="{BB962C8B-B14F-4D97-AF65-F5344CB8AC3E}">
-        <p14:creationId xmlns:p14="http://schemas.microsoft.com/office/powerpoint/2010/main" val="2538490510"/>
+        <p14:creationId xmlns:p14="http://schemas.microsoft.com/office/powerpoint/2010/main" val="3011939896"/>
       </p:ext>
     </p:extLst>
   </p:cSld>
@@ -7696,10 +8347,10 @@
       </p:grpSpPr>
       <p:pic>
         <p:nvPicPr>
-          <p:cNvPr id="9" name="Picture 8" descr="A close up of a logo&#10;&#10;Description generated with very high confidence">
-            <a:extLst>
-              <a:ext uri="{FF2B5EF4-FFF2-40B4-BE49-F238E27FC236}">
-                <a16:creationId xmlns:a16="http://schemas.microsoft.com/office/drawing/2014/main" id="{26648E6C-0EBA-4CBA-A8B1-81D31AB2D5A4}"/>
+          <p:cNvPr id="7" name="Picture 6" descr="A close up of a logo&#10;&#10;Description generated with high confidence">
+            <a:extLst>
+              <a:ext uri="{FF2B5EF4-FFF2-40B4-BE49-F238E27FC236}">
+                <a16:creationId xmlns:a16="http://schemas.microsoft.com/office/drawing/2014/main" id="{B1FE106B-8A53-42CB-8B64-6B5DB5D7FFEF}"/>
               </a:ext>
             </a:extLst>
           </p:cNvPr>
@@ -7722,7 +8373,7 @@
         </p:blipFill>
         <p:spPr>
           <a:xfrm>
-            <a:off x="0" y="16042"/>
+            <a:off x="0" y="0"/>
             <a:ext cx="12192000" cy="6858000"/>
           </a:xfrm>
           <a:prstGeom prst="rect">
@@ -7735,7 +8386,7 @@
           <p:cNvPr id="2" name="Title 1">
             <a:extLst>
               <a:ext uri="{FF2B5EF4-FFF2-40B4-BE49-F238E27FC236}">
-                <a16:creationId xmlns:a16="http://schemas.microsoft.com/office/drawing/2014/main" id="{585E4B0B-A394-46A1-B9B9-F2FE53AAE697}"/>
+                <a16:creationId xmlns:a16="http://schemas.microsoft.com/office/drawing/2014/main" id="{5EAC860C-63EC-4275-A4A0-8A394004050A}"/>
               </a:ext>
             </a:extLst>
           </p:cNvPr>
@@ -7743,33 +8394,32 @@
             <a:spLocks noGrp="1"/>
           </p:cNvSpPr>
           <p:nvPr>
-            <p:ph type="title"/>
+            <p:ph type="ctrTitle"/>
           </p:nvPr>
         </p:nvSpPr>
-        <p:spPr/>
-        <p:txBody>
-          <a:bodyPr>
-            <a:normAutofit/>
-          </a:bodyPr>
-          <a:lstStyle/>
-          <a:p>
-            <a:r>
-              <a:rPr lang="zh-CN" altLang="en-US" sz="3600" dirty="0"/>
-              <a:t>数字出版工作流程 </a:t>
-            </a:r>
-            <a:r>
-              <a:rPr lang="en-CA" sz="3600" dirty="0"/>
-              <a:t>Digital Publishing Workflow</a:t>
-            </a:r>
-          </a:p>
-        </p:txBody>
-      </p:sp>
-      <p:sp>
-        <p:nvSpPr>
-          <p:cNvPr id="3" name="Content Placeholder 2">
-            <a:extLst>
-              <a:ext uri="{FF2B5EF4-FFF2-40B4-BE49-F238E27FC236}">
-                <a16:creationId xmlns:a16="http://schemas.microsoft.com/office/drawing/2014/main" id="{B6D5B12F-07A0-491E-B162-63C698346E24}"/>
+        <p:spPr>
+          <a:xfrm>
+            <a:off x="2216271" y="1728772"/>
+            <a:ext cx="7472039" cy="2387600"/>
+          </a:xfrm>
+        </p:spPr>
+        <p:txBody>
+          <a:bodyPr/>
+          <a:lstStyle/>
+          <a:p>
+            <a:r>
+              <a:rPr lang="en-CA" dirty="0"/>
+              <a:t>Digital Publishing</a:t>
+            </a:r>
+          </a:p>
+        </p:txBody>
+      </p:sp>
+      <p:sp>
+        <p:nvSpPr>
+          <p:cNvPr id="3" name="Subtitle 2">
+            <a:extLst>
+              <a:ext uri="{FF2B5EF4-FFF2-40B4-BE49-F238E27FC236}">
+                <a16:creationId xmlns:a16="http://schemas.microsoft.com/office/drawing/2014/main" id="{292BD96F-D870-4CDE-8764-EA2AF1975241}"/>
               </a:ext>
             </a:extLst>
           </p:cNvPr>
@@ -7777,235 +8427,32 @@
             <a:spLocks noGrp="1"/>
           </p:cNvSpPr>
           <p:nvPr>
-            <p:ph idx="1"/>
+            <p:ph type="subTitle" idx="1"/>
           </p:nvPr>
         </p:nvSpPr>
-        <p:spPr/>
-        <p:txBody>
-          <a:bodyPr>
-            <a:normAutofit fontScale="62500" lnSpcReduction="20000"/>
-          </a:bodyPr>
-          <a:lstStyle/>
-          <a:p>
-            <a:pPr>
-              <a:lnSpc>
-                <a:spcPct val="150000"/>
-              </a:lnSpc>
-            </a:pPr>
-            <a:r>
-              <a:rPr lang="zh-CN" altLang="en-US" dirty="0"/>
-              <a:t>目标 </a:t>
-            </a:r>
-            <a:r>
-              <a:rPr lang="en-CA" altLang="zh-CN" dirty="0"/>
-              <a:t>Goal:</a:t>
-            </a:r>
-          </a:p>
-          <a:p>
-            <a:pPr lvl="1">
-              <a:lnSpc>
-                <a:spcPct val="150000"/>
-              </a:lnSpc>
-            </a:pPr>
-            <a:r>
-              <a:rPr lang="zh-CN" altLang="en-US" dirty="0"/>
-              <a:t>编写 </a:t>
-            </a:r>
-            <a:r>
-              <a:rPr lang="en-CA" altLang="zh-CN" dirty="0"/>
-              <a:t>Nand2Tetris (and beyond!)</a:t>
-            </a:r>
-            <a:r>
-              <a:rPr lang="zh-CN" altLang="en-US" dirty="0"/>
-              <a:t> </a:t>
-            </a:r>
-            <a:r>
-              <a:rPr lang="en-CA" altLang="zh-CN" dirty="0"/>
-              <a:t>Textbook</a:t>
-            </a:r>
-          </a:p>
-          <a:p>
-            <a:pPr lvl="1">
-              <a:lnSpc>
-                <a:spcPct val="150000"/>
-              </a:lnSpc>
-            </a:pPr>
-            <a:r>
-              <a:rPr lang="zh-CN" altLang="en-US" dirty="0"/>
-              <a:t>包括我们的学习体会和延伸知识  </a:t>
-            </a:r>
-            <a:r>
-              <a:rPr lang="en-CA" altLang="zh-CN" dirty="0"/>
-              <a:t>Including knowledge and ideas from our own learning experience, and extended materials</a:t>
-            </a:r>
-          </a:p>
-          <a:p>
-            <a:pPr lvl="1">
-              <a:lnSpc>
-                <a:spcPct val="150000"/>
-              </a:lnSpc>
-            </a:pPr>
-            <a:r>
-              <a:rPr lang="zh-CN" altLang="en-US" dirty="0"/>
-              <a:t>使用 </a:t>
-            </a:r>
-            <a:r>
-              <a:rPr lang="en-CA" altLang="zh-CN" dirty="0"/>
-              <a:t>Wiki</a:t>
-            </a:r>
-            <a:r>
-              <a:rPr lang="zh-CN" altLang="en-US" dirty="0"/>
-              <a:t> 作为编写平台   </a:t>
-            </a:r>
-            <a:r>
-              <a:rPr lang="en-CA" altLang="zh-CN" dirty="0"/>
-              <a:t>Use Wiki as the platform</a:t>
-            </a:r>
-          </a:p>
-          <a:p>
-            <a:pPr>
-              <a:lnSpc>
-                <a:spcPct val="150000"/>
-              </a:lnSpc>
-            </a:pPr>
-            <a:r>
-              <a:rPr lang="zh-CN" altLang="en-US" dirty="0"/>
-              <a:t>目标读者 </a:t>
-            </a:r>
-            <a:r>
-              <a:rPr lang="en-CA" altLang="zh-CN" dirty="0"/>
-              <a:t>Target audience:</a:t>
-            </a:r>
-          </a:p>
-          <a:p>
-            <a:pPr lvl="1">
-              <a:lnSpc>
-                <a:spcPct val="150000"/>
-              </a:lnSpc>
-            </a:pPr>
-            <a:r>
-              <a:rPr lang="zh-CN" altLang="en-US" dirty="0"/>
-              <a:t>高中以上水平  </a:t>
-            </a:r>
-            <a:r>
-              <a:rPr lang="en-CA" altLang="zh-CN" dirty="0"/>
-              <a:t>High school or above</a:t>
-            </a:r>
-          </a:p>
-          <a:p>
-            <a:pPr lvl="1">
-              <a:lnSpc>
-                <a:spcPct val="150000"/>
-              </a:lnSpc>
-            </a:pPr>
-            <a:r>
-              <a:rPr lang="zh-CN" altLang="en-US" dirty="0"/>
-              <a:t>没有编程背景</a:t>
-            </a:r>
-            <a:r>
-              <a:rPr lang="en-CA" altLang="zh-CN" dirty="0"/>
-              <a:t>  Without prior programming experience</a:t>
-            </a:r>
-          </a:p>
-          <a:p>
-            <a:pPr lvl="1">
-              <a:lnSpc>
-                <a:spcPct val="150000"/>
-              </a:lnSpc>
-            </a:pPr>
-            <a:r>
-              <a:rPr lang="zh-CN" altLang="en-US" dirty="0"/>
-              <a:t>其他学科背景  </a:t>
-            </a:r>
-            <a:r>
-              <a:rPr lang="en-CA" altLang="zh-CN" dirty="0"/>
-              <a:t>From other academic disciplines</a:t>
-            </a:r>
-          </a:p>
-          <a:p>
-            <a:pPr lvl="1">
-              <a:lnSpc>
-                <a:spcPct val="150000"/>
-              </a:lnSpc>
-            </a:pPr>
-            <a:r>
-              <a:rPr lang="zh-CN" altLang="en-US" dirty="0"/>
-              <a:t>同时适用于相关背景学生以及从业人员  </a:t>
-            </a:r>
-            <a:endParaRPr lang="en-CA" altLang="zh-CN" dirty="0"/>
-          </a:p>
-          <a:p>
-            <a:pPr marL="457200" lvl="1" indent="0">
-              <a:lnSpc>
-                <a:spcPct val="150000"/>
-              </a:lnSpc>
-              <a:buNone/>
-            </a:pPr>
-            <a:r>
-              <a:rPr lang="en-CA" altLang="zh-CN" dirty="0"/>
-              <a:t>	Suitable for students and working professionals from related disciplines</a:t>
-            </a:r>
-          </a:p>
-          <a:p>
-            <a:pPr lvl="1">
-              <a:lnSpc>
-                <a:spcPct val="150000"/>
-              </a:lnSpc>
-            </a:pPr>
-            <a:endParaRPr lang="en-US" altLang="zh-CN" dirty="0"/>
-          </a:p>
-          <a:p>
-            <a:pPr>
-              <a:lnSpc>
-                <a:spcPct val="150000"/>
-              </a:lnSpc>
-            </a:pPr>
-            <a:endParaRPr lang="en-CA" dirty="0"/>
-          </a:p>
-        </p:txBody>
-      </p:sp>
-      <p:pic>
-        <p:nvPicPr>
-          <p:cNvPr id="13" name="Picture 12">
-            <a:extLst>
-              <a:ext uri="{FF2B5EF4-FFF2-40B4-BE49-F238E27FC236}">
-                <a16:creationId xmlns:a16="http://schemas.microsoft.com/office/drawing/2014/main" id="{2A049FE2-5771-4C53-81CD-EF4762B1EB01}"/>
-              </a:ext>
-            </a:extLst>
-          </p:cNvPr>
-          <p:cNvPicPr>
-            <a:picLocks noChangeAspect="1"/>
-          </p:cNvPicPr>
-          <p:nvPr/>
-        </p:nvPicPr>
-        <p:blipFill>
-          <a:blip r:embed="rId3">
-            <a:extLst>
-              <a:ext uri="{28A0092B-C50C-407E-A947-70E740481C1C}">
-                <a14:useLocalDpi xmlns:a14="http://schemas.microsoft.com/office/drawing/2010/main" val="0"/>
-              </a:ext>
-            </a:extLst>
-          </a:blip>
-          <a:stretch>
-            <a:fillRect/>
-          </a:stretch>
-        </p:blipFill>
-        <p:spPr>
-          <a:xfrm>
-            <a:off x="838200" y="6058539"/>
-            <a:ext cx="1505505" cy="565952"/>
-          </a:xfrm>
-          <a:prstGeom prst="rect">
-            <a:avLst/>
-          </a:prstGeom>
-        </p:spPr>
-      </p:pic>
-      <p:sp>
-        <p:nvSpPr>
-          <p:cNvPr id="14" name="TextBox 13">
-            <a:extLst>
-              <a:ext uri="{FF2B5EF4-FFF2-40B4-BE49-F238E27FC236}">
-                <a16:creationId xmlns:a16="http://schemas.microsoft.com/office/drawing/2014/main" id="{351AD2F1-0B0A-4AD9-9C78-663B8DBCACA4}"/>
+        <p:spPr>
+          <a:xfrm>
+            <a:off x="2216271" y="4208447"/>
+            <a:ext cx="7472039" cy="1655762"/>
+          </a:xfrm>
+        </p:spPr>
+        <p:txBody>
+          <a:bodyPr/>
+          <a:lstStyle/>
+          <a:p>
+            <a:r>
+              <a:rPr lang="en-CA" dirty="0"/>
+              <a:t>Group 5</a:t>
+            </a:r>
+          </a:p>
+        </p:txBody>
+      </p:sp>
+      <p:sp>
+        <p:nvSpPr>
+          <p:cNvPr id="13" name="TextBox 12">
+            <a:extLst>
+              <a:ext uri="{FF2B5EF4-FFF2-40B4-BE49-F238E27FC236}">
+                <a16:creationId xmlns:a16="http://schemas.microsoft.com/office/drawing/2014/main" id="{3AD45C31-CC23-4D0F-9B61-A0EB41CFD817}"/>
               </a:ext>
             </a:extLst>
           </p:cNvPr>
@@ -8014,8 +8461,8 @@
         </p:nvSpPr>
         <p:spPr>
           <a:xfrm>
-            <a:off x="2438214" y="6253724"/>
-            <a:ext cx="4332490" cy="369332"/>
+            <a:off x="2216271" y="1905805"/>
+            <a:ext cx="7759455" cy="523220"/>
           </a:xfrm>
           <a:prstGeom prst="rect">
             <a:avLst/>
@@ -8028,8 +8475,9 @@
           </a:bodyPr>
           <a:lstStyle/>
           <a:p>
-            <a:r>
-              <a:rPr lang="en-CA" dirty="0">
+            <a:pPr algn="ctr"/>
+            <a:r>
+              <a:rPr lang="en-CA" sz="2800" dirty="0">
                 <a:solidFill>
                   <a:srgbClr val="5C307D"/>
                 </a:solidFill>
@@ -8042,12 +8490,48 @@
           </a:p>
         </p:txBody>
       </p:sp>
-      <p:sp>
-        <p:nvSpPr>
-          <p:cNvPr id="10" name="TextBox 9">
-            <a:extLst>
-              <a:ext uri="{FF2B5EF4-FFF2-40B4-BE49-F238E27FC236}">
-                <a16:creationId xmlns:a16="http://schemas.microsoft.com/office/drawing/2014/main" id="{BD7D9A0E-C6A8-424F-BC41-DBA56C9FCC13}"/>
+      <p:pic>
+        <p:nvPicPr>
+          <p:cNvPr id="15" name="Picture 14">
+            <a:extLst>
+              <a:ext uri="{FF2B5EF4-FFF2-40B4-BE49-F238E27FC236}">
+                <a16:creationId xmlns:a16="http://schemas.microsoft.com/office/drawing/2014/main" id="{E25D5ADF-6B23-45C9-A906-867AFE97EC41}"/>
+              </a:ext>
+            </a:extLst>
+          </p:cNvPr>
+          <p:cNvPicPr>
+            <a:picLocks noChangeAspect="1"/>
+          </p:cNvPicPr>
+          <p:nvPr/>
+        </p:nvPicPr>
+        <p:blipFill>
+          <a:blip r:embed="rId3">
+            <a:extLst>
+              <a:ext uri="{28A0092B-C50C-407E-A947-70E740481C1C}">
+                <a14:useLocalDpi xmlns:a14="http://schemas.microsoft.com/office/drawing/2010/main" val="0"/>
+              </a:ext>
+            </a:extLst>
+          </a:blip>
+          <a:stretch>
+            <a:fillRect/>
+          </a:stretch>
+        </p:blipFill>
+        <p:spPr>
+          <a:xfrm>
+            <a:off x="8912694" y="455566"/>
+            <a:ext cx="2779195" cy="1044760"/>
+          </a:xfrm>
+          <a:prstGeom prst="rect">
+            <a:avLst/>
+          </a:prstGeom>
+        </p:spPr>
+      </p:pic>
+      <p:sp>
+        <p:nvSpPr>
+          <p:cNvPr id="16" name="TextBox 15">
+            <a:extLst>
+              <a:ext uri="{FF2B5EF4-FFF2-40B4-BE49-F238E27FC236}">
+                <a16:creationId xmlns:a16="http://schemas.microsoft.com/office/drawing/2014/main" id="{85F794C7-8B57-4B89-AD7A-7B604161620C}"/>
               </a:ext>
             </a:extLst>
           </p:cNvPr>
@@ -8056,7 +8540,7 @@
         </p:nvSpPr>
         <p:spPr>
           <a:xfrm>
-            <a:off x="10669294" y="496371"/>
+            <a:off x="10588283" y="6217768"/>
             <a:ext cx="1103606" cy="369332"/>
           </a:xfrm>
           <a:prstGeom prst="rect">
@@ -8080,7 +8564,7 @@
               <a:t>Week 1</a:t>
             </a:r>
             <a:r>
-              <a:rPr lang="en-US" altLang="zh-CN" b="1" dirty="0">
+              <a:rPr lang="en-US" b="1" dirty="0">
                 <a:solidFill>
                   <a:srgbClr val="5C307D"/>
                 </a:solidFill>
@@ -8098,7 +8582,7 @@
     </p:spTree>
     <p:extLst>
       <p:ext uri="{BB962C8B-B14F-4D97-AF65-F5344CB8AC3E}">
-        <p14:creationId xmlns:p14="http://schemas.microsoft.com/office/powerpoint/2010/main" val="429978898"/>
+        <p14:creationId xmlns:p14="http://schemas.microsoft.com/office/powerpoint/2010/main" val="2538490510"/>
       </p:ext>
     </p:extLst>
   </p:cSld>
@@ -8153,7 +8637,7 @@
         </p:blipFill>
         <p:spPr>
           <a:xfrm>
-            <a:off x="0" y="0"/>
+            <a:off x="0" y="16042"/>
             <a:ext cx="12192000" cy="6858000"/>
           </a:xfrm>
           <a:prstGeom prst="rect">
@@ -8186,13 +8670,12 @@
           <a:p>
             <a:r>
               <a:rPr lang="zh-CN" altLang="en-US" sz="3600" dirty="0"/>
-              <a:t>结构总览 </a:t>
-            </a:r>
-            <a:r>
-              <a:rPr lang="en-CA" altLang="zh-CN" sz="3600" dirty="0"/>
-              <a:t>Overall Structure</a:t>
-            </a:r>
-            <a:endParaRPr lang="en-CA" sz="3600" dirty="0"/>
+              <a:t>数字出版工作流程 </a:t>
+            </a:r>
+            <a:r>
+              <a:rPr lang="en-CA" sz="3600" dirty="0"/>
+              <a:t>Digital Publishing Workflow</a:t>
+            </a:r>
           </a:p>
         </p:txBody>
       </p:sp>
@@ -8215,168 +8698,184 @@
         <p:spPr/>
         <p:txBody>
           <a:bodyPr>
-            <a:normAutofit fontScale="85000" lnSpcReduction="10000"/>
+            <a:normAutofit fontScale="62500" lnSpcReduction="20000"/>
           </a:bodyPr>
           <a:lstStyle/>
           <a:p>
             <a:pPr>
               <a:lnSpc>
-                <a:spcPct val="120000"/>
+                <a:spcPct val="150000"/>
               </a:lnSpc>
             </a:pPr>
             <a:r>
-              <a:rPr lang="zh-CN" altLang="en-US" sz="2000" dirty="0"/>
-              <a:t>暂不考虑排版设计  </a:t>
-            </a:r>
-            <a:r>
-              <a:rPr lang="en-CA" altLang="zh-CN" sz="2000" dirty="0"/>
-              <a:t>Don’t be concerned with layout and design at this point</a:t>
+              <a:rPr lang="zh-CN" altLang="en-US" dirty="0"/>
+              <a:t>目标 </a:t>
+            </a:r>
+            <a:r>
+              <a:rPr lang="en-CA" altLang="zh-CN" dirty="0"/>
+              <a:t>Goal:</a:t>
+            </a:r>
+          </a:p>
+          <a:p>
+            <a:pPr lvl="1">
+              <a:lnSpc>
+                <a:spcPct val="150000"/>
+              </a:lnSpc>
+            </a:pPr>
+            <a:r>
+              <a:rPr lang="zh-CN" altLang="en-US" dirty="0"/>
+              <a:t>编写 </a:t>
+            </a:r>
+            <a:r>
+              <a:rPr lang="en-CA" altLang="zh-CN" dirty="0"/>
+              <a:t>Nand2Tetris (and beyond!)</a:t>
+            </a:r>
+            <a:r>
+              <a:rPr lang="zh-CN" altLang="en-US" dirty="0"/>
+              <a:t> </a:t>
+            </a:r>
+            <a:r>
+              <a:rPr lang="en-CA" altLang="zh-CN" dirty="0"/>
+              <a:t>Textbook</a:t>
+            </a:r>
+          </a:p>
+          <a:p>
+            <a:pPr lvl="1">
+              <a:lnSpc>
+                <a:spcPct val="150000"/>
+              </a:lnSpc>
+            </a:pPr>
+            <a:r>
+              <a:rPr lang="zh-CN" altLang="en-US" dirty="0"/>
+              <a:t>包括我们的学习体会和延伸知识  </a:t>
+            </a:r>
+            <a:r>
+              <a:rPr lang="en-CA" altLang="zh-CN" dirty="0"/>
+              <a:t>Including knowledge and ideas from our own learning experience, and extended materials</a:t>
+            </a:r>
+          </a:p>
+          <a:p>
+            <a:pPr lvl="1">
+              <a:lnSpc>
+                <a:spcPct val="150000"/>
+              </a:lnSpc>
+            </a:pPr>
+            <a:r>
+              <a:rPr lang="zh-CN" altLang="en-US" dirty="0"/>
+              <a:t>使用 </a:t>
+            </a:r>
+            <a:r>
+              <a:rPr lang="en-CA" altLang="zh-CN" dirty="0"/>
+              <a:t>Wiki</a:t>
+            </a:r>
+            <a:r>
+              <a:rPr lang="zh-CN" altLang="en-US" dirty="0"/>
+              <a:t> 作为编写平台   </a:t>
+            </a:r>
+            <a:r>
+              <a:rPr lang="en-CA" altLang="zh-CN" dirty="0"/>
+              <a:t>Use Wiki as the platform</a:t>
             </a:r>
           </a:p>
           <a:p>
             <a:pPr>
               <a:lnSpc>
-                <a:spcPct val="120000"/>
+                <a:spcPct val="150000"/>
               </a:lnSpc>
             </a:pPr>
             <a:r>
-              <a:rPr lang="zh-CN" altLang="en-US" sz="2000" dirty="0"/>
-              <a:t>着重统一架构，保证一致性  </a:t>
-            </a:r>
-            <a:r>
-              <a:rPr lang="en-CA" altLang="zh-CN" sz="2000" dirty="0"/>
-              <a:t>Focus on using the same structure for consistency</a:t>
-            </a:r>
+              <a:rPr lang="zh-CN" altLang="en-US" dirty="0"/>
+              <a:t>目标读者 </a:t>
+            </a:r>
+            <a:r>
+              <a:rPr lang="en-CA" altLang="zh-CN" dirty="0"/>
+              <a:t>Target audience:</a:t>
+            </a:r>
+          </a:p>
+          <a:p>
+            <a:pPr lvl="1">
+              <a:lnSpc>
+                <a:spcPct val="150000"/>
+              </a:lnSpc>
+            </a:pPr>
+            <a:r>
+              <a:rPr lang="zh-CN" altLang="en-US" dirty="0"/>
+              <a:t>高中以上水平  </a:t>
+            </a:r>
+            <a:r>
+              <a:rPr lang="en-CA" altLang="zh-CN" dirty="0"/>
+              <a:t>High school or above</a:t>
+            </a:r>
+          </a:p>
+          <a:p>
+            <a:pPr lvl="1">
+              <a:lnSpc>
+                <a:spcPct val="150000"/>
+              </a:lnSpc>
+            </a:pPr>
+            <a:r>
+              <a:rPr lang="zh-CN" altLang="en-US" dirty="0"/>
+              <a:t>没有编程背景</a:t>
+            </a:r>
+            <a:r>
+              <a:rPr lang="en-CA" altLang="zh-CN" dirty="0"/>
+              <a:t>  Without prior programming experience</a:t>
+            </a:r>
+          </a:p>
+          <a:p>
+            <a:pPr lvl="1">
+              <a:lnSpc>
+                <a:spcPct val="150000"/>
+              </a:lnSpc>
+            </a:pPr>
+            <a:r>
+              <a:rPr lang="zh-CN" altLang="en-US" dirty="0"/>
+              <a:t>其他学科背景  </a:t>
+            </a:r>
+            <a:r>
+              <a:rPr lang="en-CA" altLang="zh-CN" dirty="0"/>
+              <a:t>From other academic disciplines</a:t>
+            </a:r>
+          </a:p>
+          <a:p>
+            <a:pPr lvl="1">
+              <a:lnSpc>
+                <a:spcPct val="150000"/>
+              </a:lnSpc>
+            </a:pPr>
+            <a:r>
+              <a:rPr lang="zh-CN" altLang="en-US" dirty="0"/>
+              <a:t>同时适用于相关背景学生以及从业人员  </a:t>
+            </a:r>
+            <a:endParaRPr lang="en-CA" altLang="zh-CN" dirty="0"/>
+          </a:p>
+          <a:p>
+            <a:pPr marL="457200" lvl="1" indent="0">
+              <a:lnSpc>
+                <a:spcPct val="150000"/>
+              </a:lnSpc>
+              <a:buNone/>
+            </a:pPr>
+            <a:r>
+              <a:rPr lang="en-CA" altLang="zh-CN" dirty="0"/>
+              <a:t>	Suitable for students and working professionals from related disciplines</a:t>
+            </a:r>
+          </a:p>
+          <a:p>
+            <a:pPr lvl="1">
+              <a:lnSpc>
+                <a:spcPct val="150000"/>
+              </a:lnSpc>
+            </a:pPr>
+            <a:endParaRPr lang="en-US" altLang="zh-CN" dirty="0"/>
           </a:p>
           <a:p>
             <a:pPr>
               <a:lnSpc>
-                <a:spcPct val="120000"/>
+                <a:spcPct val="150000"/>
               </a:lnSpc>
             </a:pPr>
-            <a:r>
-              <a:rPr lang="zh-CN" altLang="en-US" sz="2000" dirty="0"/>
-              <a:t>课本采用三层架构 </a:t>
-            </a:r>
-            <a:r>
-              <a:rPr lang="en-CA" altLang="zh-CN" sz="2000" dirty="0"/>
-              <a:t>(</a:t>
-            </a:r>
-            <a:r>
-              <a:rPr lang="zh-CN" altLang="en-US" sz="2000" dirty="0"/>
-              <a:t>例如 </a:t>
-            </a:r>
-            <a:r>
-              <a:rPr lang="en-CA" altLang="zh-CN" sz="2000" dirty="0"/>
-              <a:t>3.2.3), </a:t>
-            </a:r>
-            <a:r>
-              <a:rPr lang="zh-CN" altLang="en-US" sz="2000" dirty="0"/>
-              <a:t>尽量保持一致  </a:t>
-            </a:r>
-            <a:r>
-              <a:rPr lang="en-CA" altLang="zh-CN" sz="2000" dirty="0"/>
-              <a:t>Textbook uses three levels for structure, try to stay consistent</a:t>
-            </a:r>
-          </a:p>
-          <a:p>
-            <a:pPr marL="0" indent="0">
-              <a:lnSpc>
-                <a:spcPct val="120000"/>
-              </a:lnSpc>
-              <a:buNone/>
-            </a:pPr>
-            <a:endParaRPr lang="en-CA" altLang="zh-CN" sz="2000" dirty="0"/>
-          </a:p>
-          <a:p>
-            <a:pPr>
-              <a:lnSpc>
-                <a:spcPct val="120000"/>
-              </a:lnSpc>
-            </a:pPr>
-            <a:r>
-              <a:rPr lang="zh-CN" altLang="en-US" sz="2000" dirty="0"/>
-              <a:t>前言  </a:t>
-            </a:r>
-            <a:r>
-              <a:rPr lang="en-CA" altLang="zh-CN" sz="2000" dirty="0"/>
-              <a:t>Preface</a:t>
-            </a:r>
-          </a:p>
-          <a:p>
-            <a:pPr>
-              <a:lnSpc>
-                <a:spcPct val="120000"/>
-              </a:lnSpc>
-            </a:pPr>
-            <a:r>
-              <a:rPr lang="zh-CN" altLang="en-US" sz="2000" dirty="0"/>
-              <a:t>目录  </a:t>
-            </a:r>
-            <a:r>
-              <a:rPr lang="en-CA" altLang="zh-CN" sz="2000" dirty="0"/>
-              <a:t>Table of Contents</a:t>
-            </a:r>
-          </a:p>
-          <a:p>
-            <a:pPr>
-              <a:lnSpc>
-                <a:spcPct val="120000"/>
-              </a:lnSpc>
-            </a:pPr>
-            <a:r>
-              <a:rPr lang="zh-CN" altLang="en-US" sz="2000" dirty="0"/>
-              <a:t>章节内容  </a:t>
-            </a:r>
-            <a:r>
-              <a:rPr lang="en-CA" altLang="zh-CN" sz="2000" dirty="0"/>
-              <a:t>Chapters</a:t>
-            </a:r>
-          </a:p>
-          <a:p>
-            <a:pPr lvl="1">
-              <a:lnSpc>
-                <a:spcPct val="120000"/>
-              </a:lnSpc>
-            </a:pPr>
-            <a:r>
-              <a:rPr lang="zh-CN" altLang="en-US" sz="2000" dirty="0"/>
-              <a:t>每小组所负责的章节  </a:t>
-            </a:r>
-            <a:r>
-              <a:rPr lang="en-CA" altLang="zh-CN" sz="2000" dirty="0"/>
-              <a:t>Each group responsible for chapter assigned</a:t>
-            </a:r>
-          </a:p>
-          <a:p>
-            <a:pPr>
-              <a:lnSpc>
-                <a:spcPct val="120000"/>
-              </a:lnSpc>
-            </a:pPr>
-            <a:r>
-              <a:rPr lang="zh-CN" altLang="en-US" sz="2000" dirty="0"/>
-              <a:t>附录 </a:t>
-            </a:r>
-            <a:r>
-              <a:rPr lang="en-CA" altLang="zh-CN" sz="2000" dirty="0"/>
-              <a:t>Appendix</a:t>
-            </a:r>
-          </a:p>
-          <a:p>
-            <a:pPr>
-              <a:lnSpc>
-                <a:spcPct val="120000"/>
-              </a:lnSpc>
-            </a:pPr>
-            <a:r>
-              <a:rPr lang="zh-CN" altLang="en-US" sz="2000" dirty="0"/>
-              <a:t>词表  </a:t>
-            </a:r>
-            <a:r>
-              <a:rPr lang="en-CA" altLang="zh-CN" sz="2000" dirty="0"/>
-              <a:t>Glossary of Terms</a:t>
-            </a:r>
+            <a:endParaRPr lang="en-CA" dirty="0"/>
           </a:p>
         </p:txBody>
       </p:sp>
@@ -8463,7 +8962,7 @@
           <p:cNvPr id="10" name="TextBox 9">
             <a:extLst>
               <a:ext uri="{FF2B5EF4-FFF2-40B4-BE49-F238E27FC236}">
-                <a16:creationId xmlns:a16="http://schemas.microsoft.com/office/drawing/2014/main" id="{55B89120-D59B-4BF2-949F-70B16D818319}"/>
+                <a16:creationId xmlns:a16="http://schemas.microsoft.com/office/drawing/2014/main" id="{BD7D9A0E-C6A8-424F-BC41-DBA56C9FCC13}"/>
               </a:ext>
             </a:extLst>
           </p:cNvPr>
@@ -8514,7 +9013,7 @@
     </p:spTree>
     <p:extLst>
       <p:ext uri="{BB962C8B-B14F-4D97-AF65-F5344CB8AC3E}">
-        <p14:creationId xmlns:p14="http://schemas.microsoft.com/office/powerpoint/2010/main" val="1890153669"/>
+        <p14:creationId xmlns:p14="http://schemas.microsoft.com/office/powerpoint/2010/main" val="429978898"/>
       </p:ext>
     </p:extLst>
   </p:cSld>
@@ -8602,11 +9101,11 @@
           <a:p>
             <a:r>
               <a:rPr lang="zh-CN" altLang="en-US" sz="3600" dirty="0"/>
-              <a:t>章节结构 </a:t>
+              <a:t>结构总览 </a:t>
             </a:r>
             <a:r>
               <a:rPr lang="en-CA" altLang="zh-CN" sz="3600" dirty="0"/>
-              <a:t>Chapter Structure</a:t>
+              <a:t>Overall Structure</a:t>
             </a:r>
             <a:endParaRPr lang="en-CA" sz="3600" dirty="0"/>
           </a:p>
@@ -8631,192 +9130,167 @@
         <p:spPr/>
         <p:txBody>
           <a:bodyPr>
-            <a:noAutofit/>
+            <a:normAutofit fontScale="85000" lnSpcReduction="10000"/>
           </a:bodyPr>
           <a:lstStyle/>
           <a:p>
             <a:pPr>
               <a:lnSpc>
-                <a:spcPct val="100000"/>
+                <a:spcPct val="120000"/>
               </a:lnSpc>
             </a:pPr>
             <a:r>
-              <a:rPr lang="zh-CN" altLang="en-US" sz="1600" dirty="0"/>
-              <a:t>介绍 </a:t>
-            </a:r>
-            <a:r>
-              <a:rPr lang="en-CA" altLang="zh-CN" sz="1600" dirty="0"/>
-              <a:t>Introduction</a:t>
+              <a:rPr lang="zh-CN" altLang="en-US" sz="2000" dirty="0"/>
+              <a:t>暂不考虑排版设计  </a:t>
+            </a:r>
+            <a:r>
+              <a:rPr lang="en-CA" altLang="zh-CN" sz="2000" dirty="0"/>
+              <a:t>Don’t be concerned with layout and design at this point</a:t>
+            </a:r>
+          </a:p>
+          <a:p>
+            <a:pPr>
+              <a:lnSpc>
+                <a:spcPct val="120000"/>
+              </a:lnSpc>
+            </a:pPr>
+            <a:r>
+              <a:rPr lang="zh-CN" altLang="en-US" sz="2000" dirty="0"/>
+              <a:t>着重统一架构，保证一致性  </a:t>
+            </a:r>
+            <a:r>
+              <a:rPr lang="en-CA" altLang="zh-CN" sz="2000" dirty="0"/>
+              <a:t>Focus on using the same structure for consistency</a:t>
+            </a:r>
+          </a:p>
+          <a:p>
+            <a:pPr>
+              <a:lnSpc>
+                <a:spcPct val="120000"/>
+              </a:lnSpc>
+            </a:pPr>
+            <a:r>
+              <a:rPr lang="zh-CN" altLang="en-US" sz="2000" dirty="0"/>
+              <a:t>课本采用三层架构 </a:t>
+            </a:r>
+            <a:r>
+              <a:rPr lang="en-CA" altLang="zh-CN" sz="2000" dirty="0"/>
+              <a:t>(</a:t>
+            </a:r>
+            <a:r>
+              <a:rPr lang="zh-CN" altLang="en-US" sz="2000" dirty="0"/>
+              <a:t>例如 </a:t>
+            </a:r>
+            <a:r>
+              <a:rPr lang="en-CA" altLang="zh-CN" sz="2000" dirty="0"/>
+              <a:t>3.2.3), </a:t>
+            </a:r>
+            <a:r>
+              <a:rPr lang="zh-CN" altLang="en-US" sz="2000" dirty="0"/>
+              <a:t>尽量保持一致  </a:t>
+            </a:r>
+            <a:r>
+              <a:rPr lang="en-CA" altLang="zh-CN" sz="2000" dirty="0"/>
+              <a:t>Textbook uses three levels for structure, try to stay consistent</a:t>
+            </a:r>
+          </a:p>
+          <a:p>
+            <a:pPr marL="0" indent="0">
+              <a:lnSpc>
+                <a:spcPct val="120000"/>
+              </a:lnSpc>
+              <a:buNone/>
+            </a:pPr>
+            <a:endParaRPr lang="en-CA" altLang="zh-CN" sz="2000" dirty="0"/>
+          </a:p>
+          <a:p>
+            <a:pPr>
+              <a:lnSpc>
+                <a:spcPct val="120000"/>
+              </a:lnSpc>
+            </a:pPr>
+            <a:r>
+              <a:rPr lang="zh-CN" altLang="en-US" sz="2000" dirty="0"/>
+              <a:t>前言  </a:t>
+            </a:r>
+            <a:r>
+              <a:rPr lang="en-CA" altLang="zh-CN" sz="2000" dirty="0"/>
+              <a:t>Preface</a:t>
+            </a:r>
+          </a:p>
+          <a:p>
+            <a:pPr>
+              <a:lnSpc>
+                <a:spcPct val="120000"/>
+              </a:lnSpc>
+            </a:pPr>
+            <a:r>
+              <a:rPr lang="zh-CN" altLang="en-US" sz="2000" dirty="0"/>
+              <a:t>目录  </a:t>
+            </a:r>
+            <a:r>
+              <a:rPr lang="en-CA" altLang="zh-CN" sz="2000" dirty="0"/>
+              <a:t>Table of Contents</a:t>
+            </a:r>
+          </a:p>
+          <a:p>
+            <a:pPr>
+              <a:lnSpc>
+                <a:spcPct val="120000"/>
+              </a:lnSpc>
+            </a:pPr>
+            <a:r>
+              <a:rPr lang="zh-CN" altLang="en-US" sz="2000" dirty="0"/>
+              <a:t>章节内容  </a:t>
+            </a:r>
+            <a:r>
+              <a:rPr lang="en-CA" altLang="zh-CN" sz="2000" dirty="0"/>
+              <a:t>Chapters</a:t>
             </a:r>
           </a:p>
           <a:p>
             <a:pPr lvl="1">
               <a:lnSpc>
-                <a:spcPct val="100000"/>
+                <a:spcPct val="120000"/>
               </a:lnSpc>
             </a:pPr>
             <a:r>
-              <a:rPr lang="zh-CN" altLang="en-US" sz="1600" u="sng" dirty="0"/>
-              <a:t>特别需要留意的事项  </a:t>
-            </a:r>
-            <a:r>
-              <a:rPr lang="en-CA" altLang="zh-CN" sz="1600" u="sng" dirty="0"/>
-              <a:t>Items worth paying special attention to</a:t>
+              <a:rPr lang="zh-CN" altLang="en-US" sz="2000" dirty="0"/>
+              <a:t>每小组所负责的章节  </a:t>
+            </a:r>
+            <a:r>
+              <a:rPr lang="en-CA" altLang="zh-CN" sz="2000" dirty="0"/>
+              <a:t>Each group responsible for chapter assigned</a:t>
             </a:r>
           </a:p>
           <a:p>
             <a:pPr>
               <a:lnSpc>
-                <a:spcPct val="100000"/>
+                <a:spcPct val="120000"/>
               </a:lnSpc>
             </a:pPr>
             <a:r>
-              <a:rPr lang="zh-CN" altLang="en-US" sz="1600" dirty="0"/>
-              <a:t>背景 </a:t>
-            </a:r>
-            <a:r>
-              <a:rPr lang="en-CA" altLang="zh-CN" sz="1600" dirty="0"/>
-              <a:t>Background      (X.1)</a:t>
-            </a:r>
-          </a:p>
-          <a:p>
-            <a:pPr lvl="1">
-              <a:lnSpc>
-                <a:spcPct val="100000"/>
-              </a:lnSpc>
-            </a:pPr>
-            <a:r>
-              <a:rPr lang="zh-CN" altLang="en-US" sz="1600" u="sng" dirty="0"/>
-              <a:t>逻辑模型  </a:t>
-            </a:r>
-            <a:r>
-              <a:rPr lang="en-CA" altLang="zh-CN" sz="1600" u="sng" dirty="0"/>
-              <a:t>Logic Model</a:t>
+              <a:rPr lang="zh-CN" altLang="en-US" sz="2000" dirty="0"/>
+              <a:t>附录 </a:t>
+            </a:r>
+            <a:r>
+              <a:rPr lang="en-CA" altLang="zh-CN" sz="2000" dirty="0"/>
+              <a:t>Appendix</a:t>
             </a:r>
           </a:p>
           <a:p>
             <a:pPr>
               <a:lnSpc>
-                <a:spcPct val="100000"/>
+                <a:spcPct val="120000"/>
               </a:lnSpc>
             </a:pPr>
             <a:r>
-              <a:rPr lang="zh-CN" altLang="en-US" sz="1600" dirty="0"/>
-              <a:t>内容 </a:t>
-            </a:r>
-            <a:r>
-              <a:rPr lang="en-CA" altLang="zh-CN" sz="1600" dirty="0"/>
-              <a:t>Content      (X. 2,3,4…)</a:t>
-            </a:r>
-          </a:p>
-          <a:p>
-            <a:pPr lvl="1">
-              <a:lnSpc>
-                <a:spcPct val="100000"/>
-              </a:lnSpc>
-            </a:pPr>
-            <a:r>
-              <a:rPr lang="zh-CN" altLang="en-US" sz="1600" dirty="0"/>
-              <a:t>尽量依照原有的内容结构 </a:t>
-            </a:r>
-            <a:r>
-              <a:rPr lang="en-CA" altLang="zh-CN" sz="1600" dirty="0"/>
-              <a:t>Try to follow the original content </a:t>
-            </a:r>
-            <a:r>
-              <a:rPr lang="en-US" altLang="zh-CN" sz="1600" dirty="0"/>
-              <a:t>structure</a:t>
-            </a:r>
-          </a:p>
-          <a:p>
-            <a:pPr lvl="1">
-              <a:lnSpc>
-                <a:spcPct val="100000"/>
-              </a:lnSpc>
-            </a:pPr>
-            <a:r>
-              <a:rPr lang="zh-CN" altLang="en-US" sz="1600" u="sng" dirty="0"/>
-              <a:t>加入个人的学习体会  </a:t>
-            </a:r>
-            <a:r>
-              <a:rPr lang="en-CA" altLang="zh-CN" sz="1600" u="sng" dirty="0"/>
-              <a:t>Include your own learning experience</a:t>
-            </a:r>
-            <a:endParaRPr lang="en-US" altLang="zh-CN" sz="1600" u="sng" dirty="0"/>
-          </a:p>
-          <a:p>
-            <a:pPr>
-              <a:lnSpc>
-                <a:spcPct val="100000"/>
-              </a:lnSpc>
-            </a:pPr>
-            <a:r>
-              <a:rPr lang="zh-CN" altLang="en-US" sz="1600" dirty="0"/>
-              <a:t>作业 </a:t>
-            </a:r>
-            <a:r>
-              <a:rPr lang="en-CA" altLang="zh-CN" sz="1600" dirty="0"/>
-              <a:t>Project</a:t>
-            </a:r>
-          </a:p>
-          <a:p>
-            <a:pPr lvl="1">
-              <a:lnSpc>
-                <a:spcPct val="100000"/>
-              </a:lnSpc>
-            </a:pPr>
-            <a:r>
-              <a:rPr lang="zh-CN" altLang="en-US" sz="1600" u="sng" dirty="0"/>
-              <a:t>讲解题目的关键点  </a:t>
-            </a:r>
-            <a:r>
-              <a:rPr lang="en-CA" altLang="zh-CN" sz="1600" u="sng" dirty="0"/>
-              <a:t>Elaborate on key ideas for the project</a:t>
-            </a:r>
-          </a:p>
-          <a:p>
-            <a:pPr>
-              <a:lnSpc>
-                <a:spcPct val="100000"/>
-              </a:lnSpc>
-            </a:pPr>
-            <a:r>
-              <a:rPr lang="zh-CN" altLang="en-US" sz="1600" dirty="0"/>
-              <a:t>关键词 </a:t>
-            </a:r>
-            <a:r>
-              <a:rPr lang="en-CA" altLang="zh-CN" sz="1600" dirty="0"/>
-              <a:t>Keywords</a:t>
-            </a:r>
-          </a:p>
-          <a:p>
-            <a:pPr lvl="1">
-              <a:lnSpc>
-                <a:spcPct val="100000"/>
-              </a:lnSpc>
-            </a:pPr>
-            <a:r>
-              <a:rPr lang="zh-CN" altLang="en-US" sz="1600" dirty="0"/>
-              <a:t>至少要包括该章节的关键词（加粗）  </a:t>
-            </a:r>
-            <a:r>
-              <a:rPr lang="en-CA" altLang="zh-CN" sz="1600" dirty="0"/>
-              <a:t>At least include all keywords in the chapter (bolded)</a:t>
-            </a:r>
-          </a:p>
-          <a:p>
-            <a:pPr>
-              <a:lnSpc>
-                <a:spcPct val="100000"/>
-              </a:lnSpc>
-            </a:pPr>
-            <a:r>
-              <a:rPr lang="zh-CN" altLang="en-US" sz="1600" dirty="0"/>
-              <a:t>额外阅读材料 </a:t>
-            </a:r>
-            <a:r>
-              <a:rPr lang="en-CA" altLang="zh-CN" sz="1600" dirty="0"/>
-              <a:t>Additional reading material</a:t>
+              <a:rPr lang="zh-CN" altLang="en-US" sz="2000" dirty="0"/>
+              <a:t>词表  </a:t>
+            </a:r>
+            <a:r>
+              <a:rPr lang="en-CA" altLang="zh-CN" sz="2000" dirty="0"/>
+              <a:t>Glossary of Terms</a:t>
             </a:r>
           </a:p>
         </p:txBody>
@@ -8901,10 +9375,10 @@
       </p:sp>
       <p:sp>
         <p:nvSpPr>
-          <p:cNvPr id="8" name="TextBox 7">
-            <a:extLst>
-              <a:ext uri="{FF2B5EF4-FFF2-40B4-BE49-F238E27FC236}">
-                <a16:creationId xmlns:a16="http://schemas.microsoft.com/office/drawing/2014/main" id="{E2D1CD2F-0CE1-4993-98E6-1CB6CE4959B2}"/>
+          <p:cNvPr id="10" name="TextBox 9">
+            <a:extLst>
+              <a:ext uri="{FF2B5EF4-FFF2-40B4-BE49-F238E27FC236}">
+                <a16:creationId xmlns:a16="http://schemas.microsoft.com/office/drawing/2014/main" id="{55B89120-D59B-4BF2-949F-70B16D818319}"/>
               </a:ext>
             </a:extLst>
           </p:cNvPr>
@@ -8955,7 +9429,7 @@
     </p:spTree>
     <p:extLst>
       <p:ext uri="{BB962C8B-B14F-4D97-AF65-F5344CB8AC3E}">
-        <p14:creationId xmlns:p14="http://schemas.microsoft.com/office/powerpoint/2010/main" val="3402831900"/>
+        <p14:creationId xmlns:p14="http://schemas.microsoft.com/office/powerpoint/2010/main" val="1890153669"/>
       </p:ext>
     </p:extLst>
   </p:cSld>
